--- a/TVCHH/TVCHH 061 - Tình Yêu Lớn Lao.pptx
+++ b/TVCHH/TVCHH 061 - Tình Yêu Lớn Lao.pptx
@@ -177,10 +177,9 @@
           <a:lstStyle/>
           <a:p>
             <a:r>
-              <a:rPr lang="en-US" smtClean="0"/>
+              <a:rPr lang="en-US"/>
               <a:t>Click to edit Master title style</a:t>
             </a:r>
-            <a:endParaRPr lang="en-US"/>
           </a:p>
         </p:txBody>
       </p:sp>
@@ -296,10 +295,9 @@
           </a:lstStyle>
           <a:p>
             <a:r>
-              <a:rPr lang="en-US" smtClean="0"/>
+              <a:rPr lang="en-US"/>
               <a:t>Click to edit Master subtitle style</a:t>
             </a:r>
-            <a:endParaRPr lang="en-US"/>
           </a:p>
         </p:txBody>
       </p:sp>
@@ -321,7 +319,7 @@
             <a:fld id="{044431D6-1E31-4233-8565-4955534BCC81}" type="datetimeFigureOut">
               <a:rPr lang="en-US" smtClean="0"/>
               <a:pPr/>
-              <a:t>4/2/2013</a:t>
+              <a:t>12/8/19</a:t>
             </a:fld>
             <a:endParaRPr lang="en-US"/>
           </a:p>
@@ -411,10 +409,9 @@
           <a:lstStyle/>
           <a:p>
             <a:r>
-              <a:rPr lang="en-US" smtClean="0"/>
+              <a:rPr lang="en-US"/>
               <a:t>Click to edit Master title style</a:t>
             </a:r>
-            <a:endParaRPr lang="en-US"/>
           </a:p>
         </p:txBody>
       </p:sp>
@@ -435,38 +432,37 @@
           <a:p>
             <a:pPr lvl="0"/>
             <a:r>
-              <a:rPr lang="en-US" smtClean="0"/>
+              <a:rPr lang="en-US"/>
               <a:t>Click to edit Master text styles</a:t>
             </a:r>
           </a:p>
           <a:p>
             <a:pPr lvl="1"/>
             <a:r>
-              <a:rPr lang="en-US" smtClean="0"/>
+              <a:rPr lang="en-US"/>
               <a:t>Second level</a:t>
             </a:r>
           </a:p>
           <a:p>
             <a:pPr lvl="2"/>
             <a:r>
-              <a:rPr lang="en-US" smtClean="0"/>
+              <a:rPr lang="en-US"/>
               <a:t>Third level</a:t>
             </a:r>
           </a:p>
           <a:p>
             <a:pPr lvl="3"/>
             <a:r>
-              <a:rPr lang="en-US" smtClean="0"/>
+              <a:rPr lang="en-US"/>
               <a:t>Fourth level</a:t>
             </a:r>
           </a:p>
           <a:p>
             <a:pPr lvl="4"/>
             <a:r>
-              <a:rPr lang="en-US" smtClean="0"/>
+              <a:rPr lang="en-US"/>
               <a:t>Fifth level</a:t>
             </a:r>
-            <a:endParaRPr lang="en-US"/>
           </a:p>
         </p:txBody>
       </p:sp>
@@ -488,7 +484,7 @@
             <a:fld id="{044431D6-1E31-4233-8565-4955534BCC81}" type="datetimeFigureOut">
               <a:rPr lang="en-US" smtClean="0"/>
               <a:pPr/>
-              <a:t>4/2/2013</a:t>
+              <a:t>12/8/19</a:t>
             </a:fld>
             <a:endParaRPr lang="en-US"/>
           </a:p>
@@ -583,10 +579,9 @@
           <a:lstStyle/>
           <a:p>
             <a:r>
-              <a:rPr lang="en-US" smtClean="0"/>
+              <a:rPr lang="en-US"/>
               <a:t>Click to edit Master title style</a:t>
             </a:r>
-            <a:endParaRPr lang="en-US"/>
           </a:p>
         </p:txBody>
       </p:sp>
@@ -612,38 +607,37 @@
           <a:p>
             <a:pPr lvl="0"/>
             <a:r>
-              <a:rPr lang="en-US" smtClean="0"/>
+              <a:rPr lang="en-US"/>
               <a:t>Click to edit Master text styles</a:t>
             </a:r>
           </a:p>
           <a:p>
             <a:pPr lvl="1"/>
             <a:r>
-              <a:rPr lang="en-US" smtClean="0"/>
+              <a:rPr lang="en-US"/>
               <a:t>Second level</a:t>
             </a:r>
           </a:p>
           <a:p>
             <a:pPr lvl="2"/>
             <a:r>
-              <a:rPr lang="en-US" smtClean="0"/>
+              <a:rPr lang="en-US"/>
               <a:t>Third level</a:t>
             </a:r>
           </a:p>
           <a:p>
             <a:pPr lvl="3"/>
             <a:r>
-              <a:rPr lang="en-US" smtClean="0"/>
+              <a:rPr lang="en-US"/>
               <a:t>Fourth level</a:t>
             </a:r>
           </a:p>
           <a:p>
             <a:pPr lvl="4"/>
             <a:r>
-              <a:rPr lang="en-US" smtClean="0"/>
+              <a:rPr lang="en-US"/>
               <a:t>Fifth level</a:t>
             </a:r>
-            <a:endParaRPr lang="en-US"/>
           </a:p>
         </p:txBody>
       </p:sp>
@@ -665,7 +659,7 @@
             <a:fld id="{044431D6-1E31-4233-8565-4955534BCC81}" type="datetimeFigureOut">
               <a:rPr lang="en-US" smtClean="0"/>
               <a:pPr/>
-              <a:t>4/2/2013</a:t>
+              <a:t>12/8/19</a:t>
             </a:fld>
             <a:endParaRPr lang="en-US"/>
           </a:p>
@@ -763,10 +757,9 @@
           <a:lstStyle/>
           <a:p>
             <a:r>
-              <a:rPr lang="en-US" smtClean="0"/>
+              <a:rPr lang="en-US"/>
               <a:t>Click to edit Master title style</a:t>
             </a:r>
-            <a:endParaRPr lang="en-US"/>
           </a:p>
         </p:txBody>
       </p:sp>
@@ -885,10 +878,9 @@
           </a:lstStyle>
           <a:p>
             <a:r>
-              <a:rPr lang="en-US" smtClean="0"/>
+              <a:rPr lang="en-US"/>
               <a:t>Click to edit Master subtitle style</a:t>
             </a:r>
-            <a:endParaRPr lang="en-US"/>
           </a:p>
         </p:txBody>
       </p:sp>
@@ -910,7 +902,7 @@
             <a:fld id="{E5DB6A83-9C56-44F1-AE04-6F52068BD753}" type="datetimeFigureOut">
               <a:rPr lang="en-US" smtClean="0"/>
               <a:pPr/>
-              <a:t>4/2/2013</a:t>
+              <a:t>12/8/19</a:t>
             </a:fld>
             <a:endParaRPr lang="en-US"/>
           </a:p>
@@ -1008,10 +1000,9 @@
           <a:lstStyle/>
           <a:p>
             <a:r>
-              <a:rPr lang="en-US" smtClean="0"/>
+              <a:rPr lang="en-US"/>
               <a:t>Click to edit Master title style</a:t>
             </a:r>
-            <a:endParaRPr lang="en-US"/>
           </a:p>
         </p:txBody>
       </p:sp>
@@ -1040,38 +1031,37 @@
           <a:p>
             <a:pPr lvl="0"/>
             <a:r>
-              <a:rPr lang="en-US" smtClean="0"/>
+              <a:rPr lang="en-US"/>
               <a:t>Click to edit Master text styles</a:t>
             </a:r>
           </a:p>
           <a:p>
             <a:pPr lvl="1"/>
             <a:r>
-              <a:rPr lang="en-US" smtClean="0"/>
+              <a:rPr lang="en-US"/>
               <a:t>Second level</a:t>
             </a:r>
           </a:p>
           <a:p>
             <a:pPr lvl="2"/>
             <a:r>
-              <a:rPr lang="en-US" smtClean="0"/>
+              <a:rPr lang="en-US"/>
               <a:t>Third level</a:t>
             </a:r>
           </a:p>
           <a:p>
             <a:pPr lvl="3"/>
             <a:r>
-              <a:rPr lang="en-US" smtClean="0"/>
+              <a:rPr lang="en-US"/>
               <a:t>Fourth level</a:t>
             </a:r>
           </a:p>
           <a:p>
             <a:pPr lvl="4"/>
             <a:r>
-              <a:rPr lang="en-US" smtClean="0"/>
+              <a:rPr lang="en-US"/>
               <a:t>Fifth level</a:t>
             </a:r>
-            <a:endParaRPr lang="en-US"/>
           </a:p>
         </p:txBody>
       </p:sp>
@@ -1093,7 +1083,7 @@
             <a:fld id="{E5DB6A83-9C56-44F1-AE04-6F52068BD753}" type="datetimeFigureOut">
               <a:rPr lang="en-US" smtClean="0"/>
               <a:pPr/>
-              <a:t>4/2/2013</a:t>
+              <a:t>12/8/19</a:t>
             </a:fld>
             <a:endParaRPr lang="en-US"/>
           </a:p>
@@ -1195,10 +1185,9 @@
           </a:lstStyle>
           <a:p>
             <a:r>
-              <a:rPr lang="en-US" smtClean="0"/>
+              <a:rPr lang="en-US"/>
               <a:t>Click to edit Master title style</a:t>
             </a:r>
-            <a:endParaRPr lang="en-US"/>
           </a:p>
         </p:txBody>
       </p:sp>
@@ -1318,7 +1307,7 @@
           <a:p>
             <a:pPr lvl="0"/>
             <a:r>
-              <a:rPr lang="en-US" smtClean="0"/>
+              <a:rPr lang="en-US"/>
               <a:t>Click to edit Master text styles</a:t>
             </a:r>
           </a:p>
@@ -1342,7 +1331,7 @@
             <a:fld id="{E5DB6A83-9C56-44F1-AE04-6F52068BD753}" type="datetimeFigureOut">
               <a:rPr lang="en-US" smtClean="0"/>
               <a:pPr/>
-              <a:t>4/2/2013</a:t>
+              <a:t>12/8/19</a:t>
             </a:fld>
             <a:endParaRPr lang="en-US"/>
           </a:p>
@@ -1440,10 +1429,9 @@
           <a:lstStyle/>
           <a:p>
             <a:r>
-              <a:rPr lang="en-US" smtClean="0"/>
+              <a:rPr lang="en-US"/>
               <a:t>Click to edit Master title style</a:t>
             </a:r>
-            <a:endParaRPr lang="en-US"/>
           </a:p>
         </p:txBody>
       </p:sp>
@@ -1500,38 +1488,37 @@
           <a:p>
             <a:pPr lvl="0"/>
             <a:r>
-              <a:rPr lang="en-US" smtClean="0"/>
+              <a:rPr lang="en-US"/>
               <a:t>Click to edit Master text styles</a:t>
             </a:r>
           </a:p>
           <a:p>
             <a:pPr lvl="1"/>
             <a:r>
-              <a:rPr lang="en-US" smtClean="0"/>
+              <a:rPr lang="en-US"/>
               <a:t>Second level</a:t>
             </a:r>
           </a:p>
           <a:p>
             <a:pPr lvl="2"/>
             <a:r>
-              <a:rPr lang="en-US" smtClean="0"/>
+              <a:rPr lang="en-US"/>
               <a:t>Third level</a:t>
             </a:r>
           </a:p>
           <a:p>
             <a:pPr lvl="3"/>
             <a:r>
-              <a:rPr lang="en-US" smtClean="0"/>
+              <a:rPr lang="en-US"/>
               <a:t>Fourth level</a:t>
             </a:r>
           </a:p>
           <a:p>
             <a:pPr lvl="4"/>
             <a:r>
-              <a:rPr lang="en-US" smtClean="0"/>
+              <a:rPr lang="en-US"/>
               <a:t>Fifth level</a:t>
             </a:r>
-            <a:endParaRPr lang="en-US"/>
           </a:p>
         </p:txBody>
       </p:sp>
@@ -1588,38 +1575,37 @@
           <a:p>
             <a:pPr lvl="0"/>
             <a:r>
-              <a:rPr lang="en-US" smtClean="0"/>
+              <a:rPr lang="en-US"/>
               <a:t>Click to edit Master text styles</a:t>
             </a:r>
           </a:p>
           <a:p>
             <a:pPr lvl="1"/>
             <a:r>
-              <a:rPr lang="en-US" smtClean="0"/>
+              <a:rPr lang="en-US"/>
               <a:t>Second level</a:t>
             </a:r>
           </a:p>
           <a:p>
             <a:pPr lvl="2"/>
             <a:r>
-              <a:rPr lang="en-US" smtClean="0"/>
+              <a:rPr lang="en-US"/>
               <a:t>Third level</a:t>
             </a:r>
           </a:p>
           <a:p>
             <a:pPr lvl="3"/>
             <a:r>
-              <a:rPr lang="en-US" smtClean="0"/>
+              <a:rPr lang="en-US"/>
               <a:t>Fourth level</a:t>
             </a:r>
           </a:p>
           <a:p>
             <a:pPr lvl="4"/>
             <a:r>
-              <a:rPr lang="en-US" smtClean="0"/>
+              <a:rPr lang="en-US"/>
               <a:t>Fifth level</a:t>
             </a:r>
-            <a:endParaRPr lang="en-US"/>
           </a:p>
         </p:txBody>
       </p:sp>
@@ -1641,7 +1627,7 @@
             <a:fld id="{E5DB6A83-9C56-44F1-AE04-6F52068BD753}" type="datetimeFigureOut">
               <a:rPr lang="en-US" smtClean="0"/>
               <a:pPr/>
-              <a:t>4/2/2013</a:t>
+              <a:t>12/8/19</a:t>
             </a:fld>
             <a:endParaRPr lang="en-US"/>
           </a:p>
@@ -1743,10 +1729,9 @@
           </a:lstStyle>
           <a:p>
             <a:r>
-              <a:rPr lang="en-US" smtClean="0"/>
+              <a:rPr lang="en-US"/>
               <a:t>Click to edit Master title style</a:t>
             </a:r>
-            <a:endParaRPr lang="en-US"/>
           </a:p>
         </p:txBody>
       </p:sp>
@@ -1812,7 +1797,7 @@
           <a:p>
             <a:pPr lvl="0"/>
             <a:r>
-              <a:rPr lang="en-US" smtClean="0"/>
+              <a:rPr lang="en-US"/>
               <a:t>Click to edit Master text styles</a:t>
             </a:r>
           </a:p>
@@ -1871,38 +1856,37 @@
           <a:p>
             <a:pPr lvl="0"/>
             <a:r>
-              <a:rPr lang="en-US" smtClean="0"/>
+              <a:rPr lang="en-US"/>
               <a:t>Click to edit Master text styles</a:t>
             </a:r>
           </a:p>
           <a:p>
             <a:pPr lvl="1"/>
             <a:r>
-              <a:rPr lang="en-US" smtClean="0"/>
+              <a:rPr lang="en-US"/>
               <a:t>Second level</a:t>
             </a:r>
           </a:p>
           <a:p>
             <a:pPr lvl="2"/>
             <a:r>
-              <a:rPr lang="en-US" smtClean="0"/>
+              <a:rPr lang="en-US"/>
               <a:t>Third level</a:t>
             </a:r>
           </a:p>
           <a:p>
             <a:pPr lvl="3"/>
             <a:r>
-              <a:rPr lang="en-US" smtClean="0"/>
+              <a:rPr lang="en-US"/>
               <a:t>Fourth level</a:t>
             </a:r>
           </a:p>
           <a:p>
             <a:pPr lvl="4"/>
             <a:r>
-              <a:rPr lang="en-US" smtClean="0"/>
+              <a:rPr lang="en-US"/>
               <a:t>Fifth level</a:t>
             </a:r>
-            <a:endParaRPr lang="en-US"/>
           </a:p>
         </p:txBody>
       </p:sp>
@@ -1968,7 +1952,7 @@
           <a:p>
             <a:pPr lvl="0"/>
             <a:r>
-              <a:rPr lang="en-US" smtClean="0"/>
+              <a:rPr lang="en-US"/>
               <a:t>Click to edit Master text styles</a:t>
             </a:r>
           </a:p>
@@ -2027,38 +2011,37 @@
           <a:p>
             <a:pPr lvl="0"/>
             <a:r>
-              <a:rPr lang="en-US" smtClean="0"/>
+              <a:rPr lang="en-US"/>
               <a:t>Click to edit Master text styles</a:t>
             </a:r>
           </a:p>
           <a:p>
             <a:pPr lvl="1"/>
             <a:r>
-              <a:rPr lang="en-US" smtClean="0"/>
+              <a:rPr lang="en-US"/>
               <a:t>Second level</a:t>
             </a:r>
           </a:p>
           <a:p>
             <a:pPr lvl="2"/>
             <a:r>
-              <a:rPr lang="en-US" smtClean="0"/>
+              <a:rPr lang="en-US"/>
               <a:t>Third level</a:t>
             </a:r>
           </a:p>
           <a:p>
             <a:pPr lvl="3"/>
             <a:r>
-              <a:rPr lang="en-US" smtClean="0"/>
+              <a:rPr lang="en-US"/>
               <a:t>Fourth level</a:t>
             </a:r>
           </a:p>
           <a:p>
             <a:pPr lvl="4"/>
             <a:r>
-              <a:rPr lang="en-US" smtClean="0"/>
+              <a:rPr lang="en-US"/>
               <a:t>Fifth level</a:t>
             </a:r>
-            <a:endParaRPr lang="en-US"/>
           </a:p>
         </p:txBody>
       </p:sp>
@@ -2080,7 +2063,7 @@
             <a:fld id="{E5DB6A83-9C56-44F1-AE04-6F52068BD753}" type="datetimeFigureOut">
               <a:rPr lang="en-US" smtClean="0"/>
               <a:pPr/>
-              <a:t>4/2/2013</a:t>
+              <a:t>12/8/19</a:t>
             </a:fld>
             <a:endParaRPr lang="en-US"/>
           </a:p>
@@ -2178,10 +2161,9 @@
           <a:lstStyle/>
           <a:p>
             <a:r>
-              <a:rPr lang="en-US" smtClean="0"/>
+              <a:rPr lang="en-US"/>
               <a:t>Click to edit Master title style</a:t>
             </a:r>
-            <a:endParaRPr lang="en-US"/>
           </a:p>
         </p:txBody>
       </p:sp>
@@ -2203,7 +2185,7 @@
             <a:fld id="{E5DB6A83-9C56-44F1-AE04-6F52068BD753}" type="datetimeFigureOut">
               <a:rPr lang="en-US" smtClean="0"/>
               <a:pPr/>
-              <a:t>4/2/2013</a:t>
+              <a:t>12/8/19</a:t>
             </a:fld>
             <a:endParaRPr lang="en-US"/>
           </a:p>
@@ -2295,7 +2277,7 @@
             <a:fld id="{E5DB6A83-9C56-44F1-AE04-6F52068BD753}" type="datetimeFigureOut">
               <a:rPr lang="en-US" smtClean="0"/>
               <a:pPr/>
-              <a:t>4/2/2013</a:t>
+              <a:t>12/8/19</a:t>
             </a:fld>
             <a:endParaRPr lang="en-US"/>
           </a:p>
@@ -2397,10 +2379,9 @@
           </a:lstStyle>
           <a:p>
             <a:r>
-              <a:rPr lang="en-US" smtClean="0"/>
+              <a:rPr lang="en-US"/>
               <a:t>Click to edit Master title style</a:t>
             </a:r>
-            <a:endParaRPr lang="en-US"/>
           </a:p>
         </p:txBody>
       </p:sp>
@@ -2457,38 +2438,37 @@
           <a:p>
             <a:pPr lvl="0"/>
             <a:r>
-              <a:rPr lang="en-US" smtClean="0"/>
+              <a:rPr lang="en-US"/>
               <a:t>Click to edit Master text styles</a:t>
             </a:r>
           </a:p>
           <a:p>
             <a:pPr lvl="1"/>
             <a:r>
-              <a:rPr lang="en-US" smtClean="0"/>
+              <a:rPr lang="en-US"/>
               <a:t>Second level</a:t>
             </a:r>
           </a:p>
           <a:p>
             <a:pPr lvl="2"/>
             <a:r>
-              <a:rPr lang="en-US" smtClean="0"/>
+              <a:rPr lang="en-US"/>
               <a:t>Third level</a:t>
             </a:r>
           </a:p>
           <a:p>
             <a:pPr lvl="3"/>
             <a:r>
-              <a:rPr lang="en-US" smtClean="0"/>
+              <a:rPr lang="en-US"/>
               <a:t>Fourth level</a:t>
             </a:r>
           </a:p>
           <a:p>
             <a:pPr lvl="4"/>
             <a:r>
-              <a:rPr lang="en-US" smtClean="0"/>
+              <a:rPr lang="en-US"/>
               <a:t>Fifth level</a:t>
             </a:r>
-            <a:endParaRPr lang="en-US"/>
           </a:p>
         </p:txBody>
       </p:sp>
@@ -2554,7 +2534,7 @@
           <a:p>
             <a:pPr lvl="0"/>
             <a:r>
-              <a:rPr lang="en-US" smtClean="0"/>
+              <a:rPr lang="en-US"/>
               <a:t>Click to edit Master text styles</a:t>
             </a:r>
           </a:p>
@@ -2578,7 +2558,7 @@
             <a:fld id="{E5DB6A83-9C56-44F1-AE04-6F52068BD753}" type="datetimeFigureOut">
               <a:rPr lang="en-US" smtClean="0"/>
               <a:pPr/>
-              <a:t>4/2/2013</a:t>
+              <a:t>12/8/19</a:t>
             </a:fld>
             <a:endParaRPr lang="en-US"/>
           </a:p>
@@ -2668,10 +2648,9 @@
           <a:lstStyle/>
           <a:p>
             <a:r>
-              <a:rPr lang="en-US" smtClean="0"/>
+              <a:rPr lang="en-US"/>
               <a:t>Click to edit Master title style</a:t>
             </a:r>
-            <a:endParaRPr lang="en-US"/>
           </a:p>
         </p:txBody>
       </p:sp>
@@ -2692,38 +2671,37 @@
           <a:p>
             <a:pPr lvl="0"/>
             <a:r>
-              <a:rPr lang="en-US" smtClean="0"/>
+              <a:rPr lang="en-US"/>
               <a:t>Click to edit Master text styles</a:t>
             </a:r>
           </a:p>
           <a:p>
             <a:pPr lvl="1"/>
             <a:r>
-              <a:rPr lang="en-US" smtClean="0"/>
+              <a:rPr lang="en-US"/>
               <a:t>Second level</a:t>
             </a:r>
           </a:p>
           <a:p>
             <a:pPr lvl="2"/>
             <a:r>
-              <a:rPr lang="en-US" smtClean="0"/>
+              <a:rPr lang="en-US"/>
               <a:t>Third level</a:t>
             </a:r>
           </a:p>
           <a:p>
             <a:pPr lvl="3"/>
             <a:r>
-              <a:rPr lang="en-US" smtClean="0"/>
+              <a:rPr lang="en-US"/>
               <a:t>Fourth level</a:t>
             </a:r>
           </a:p>
           <a:p>
             <a:pPr lvl="4"/>
             <a:r>
-              <a:rPr lang="en-US" smtClean="0"/>
+              <a:rPr lang="en-US"/>
               <a:t>Fifth level</a:t>
             </a:r>
-            <a:endParaRPr lang="en-US"/>
           </a:p>
         </p:txBody>
       </p:sp>
@@ -2745,7 +2723,7 @@
             <a:fld id="{044431D6-1E31-4233-8565-4955534BCC81}" type="datetimeFigureOut">
               <a:rPr lang="en-US" smtClean="0"/>
               <a:pPr/>
-              <a:t>4/2/2013</a:t>
+              <a:t>12/8/19</a:t>
             </a:fld>
             <a:endParaRPr lang="en-US"/>
           </a:p>
@@ -2847,10 +2825,9 @@
           </a:lstStyle>
           <a:p>
             <a:r>
-              <a:rPr lang="en-US" smtClean="0"/>
+              <a:rPr lang="en-US"/>
               <a:t>Click to edit Master title style</a:t>
             </a:r>
-            <a:endParaRPr lang="en-US"/>
           </a:p>
         </p:txBody>
       </p:sp>
@@ -2980,7 +2957,7 @@
           <a:p>
             <a:pPr lvl="0"/>
             <a:r>
-              <a:rPr lang="en-US" smtClean="0"/>
+              <a:rPr lang="en-US"/>
               <a:t>Click to edit Master text styles</a:t>
             </a:r>
           </a:p>
@@ -3004,7 +2981,7 @@
             <a:fld id="{E5DB6A83-9C56-44F1-AE04-6F52068BD753}" type="datetimeFigureOut">
               <a:rPr lang="en-US" smtClean="0"/>
               <a:pPr/>
-              <a:t>4/2/2013</a:t>
+              <a:t>12/8/19</a:t>
             </a:fld>
             <a:endParaRPr lang="en-US"/>
           </a:p>
@@ -3102,10 +3079,9 @@
           <a:lstStyle/>
           <a:p>
             <a:r>
-              <a:rPr lang="en-US" smtClean="0"/>
+              <a:rPr lang="en-US"/>
               <a:t>Click to edit Master title style</a:t>
             </a:r>
-            <a:endParaRPr lang="en-US"/>
           </a:p>
         </p:txBody>
       </p:sp>
@@ -3134,38 +3110,37 @@
           <a:p>
             <a:pPr lvl="0"/>
             <a:r>
-              <a:rPr lang="en-US" smtClean="0"/>
+              <a:rPr lang="en-US"/>
               <a:t>Click to edit Master text styles</a:t>
             </a:r>
           </a:p>
           <a:p>
             <a:pPr lvl="1"/>
             <a:r>
-              <a:rPr lang="en-US" smtClean="0"/>
+              <a:rPr lang="en-US"/>
               <a:t>Second level</a:t>
             </a:r>
           </a:p>
           <a:p>
             <a:pPr lvl="2"/>
             <a:r>
-              <a:rPr lang="en-US" smtClean="0"/>
+              <a:rPr lang="en-US"/>
               <a:t>Third level</a:t>
             </a:r>
           </a:p>
           <a:p>
             <a:pPr lvl="3"/>
             <a:r>
-              <a:rPr lang="en-US" smtClean="0"/>
+              <a:rPr lang="en-US"/>
               <a:t>Fourth level</a:t>
             </a:r>
           </a:p>
           <a:p>
             <a:pPr lvl="4"/>
             <a:r>
-              <a:rPr lang="en-US" smtClean="0"/>
+              <a:rPr lang="en-US"/>
               <a:t>Fifth level</a:t>
             </a:r>
-            <a:endParaRPr lang="en-US"/>
           </a:p>
         </p:txBody>
       </p:sp>
@@ -3187,7 +3162,7 @@
             <a:fld id="{E5DB6A83-9C56-44F1-AE04-6F52068BD753}" type="datetimeFigureOut">
               <a:rPr lang="en-US" smtClean="0"/>
               <a:pPr/>
-              <a:t>4/2/2013</a:t>
+              <a:t>12/8/19</a:t>
             </a:fld>
             <a:endParaRPr lang="en-US"/>
           </a:p>
@@ -3285,10 +3260,9 @@
           <a:lstStyle/>
           <a:p>
             <a:r>
-              <a:rPr lang="en-US" smtClean="0"/>
+              <a:rPr lang="en-US"/>
               <a:t>Click to edit Master title style</a:t>
             </a:r>
-            <a:endParaRPr lang="en-US"/>
           </a:p>
         </p:txBody>
       </p:sp>
@@ -3317,38 +3291,37 @@
           <a:p>
             <a:pPr lvl="0"/>
             <a:r>
-              <a:rPr lang="en-US" smtClean="0"/>
+              <a:rPr lang="en-US"/>
               <a:t>Click to edit Master text styles</a:t>
             </a:r>
           </a:p>
           <a:p>
             <a:pPr lvl="1"/>
             <a:r>
-              <a:rPr lang="en-US" smtClean="0"/>
+              <a:rPr lang="en-US"/>
               <a:t>Second level</a:t>
             </a:r>
           </a:p>
           <a:p>
             <a:pPr lvl="2"/>
             <a:r>
-              <a:rPr lang="en-US" smtClean="0"/>
+              <a:rPr lang="en-US"/>
               <a:t>Third level</a:t>
             </a:r>
           </a:p>
           <a:p>
             <a:pPr lvl="3"/>
             <a:r>
-              <a:rPr lang="en-US" smtClean="0"/>
+              <a:rPr lang="en-US"/>
               <a:t>Fourth level</a:t>
             </a:r>
           </a:p>
           <a:p>
             <a:pPr lvl="4"/>
             <a:r>
-              <a:rPr lang="en-US" smtClean="0"/>
+              <a:rPr lang="en-US"/>
               <a:t>Fifth level</a:t>
             </a:r>
-            <a:endParaRPr lang="en-US"/>
           </a:p>
         </p:txBody>
       </p:sp>
@@ -3370,7 +3343,7 @@
             <a:fld id="{E5DB6A83-9C56-44F1-AE04-6F52068BD753}" type="datetimeFigureOut">
               <a:rPr lang="en-US" smtClean="0"/>
               <a:pPr/>
-              <a:t>4/2/2013</a:t>
+              <a:t>12/8/19</a:t>
             </a:fld>
             <a:endParaRPr lang="en-US"/>
           </a:p>
@@ -3469,10 +3442,9 @@
           </a:lstStyle>
           <a:p>
             <a:r>
-              <a:rPr lang="en-US" smtClean="0"/>
+              <a:rPr lang="en-US"/>
               <a:t>Click to edit Master title style</a:t>
             </a:r>
-            <a:endParaRPr lang="en-US"/>
           </a:p>
         </p:txBody>
       </p:sp>
@@ -3589,7 +3561,7 @@
           <a:p>
             <a:pPr lvl="0"/>
             <a:r>
-              <a:rPr lang="en-US" smtClean="0"/>
+              <a:rPr lang="en-US"/>
               <a:t>Click to edit Master text styles</a:t>
             </a:r>
           </a:p>
@@ -3613,7 +3585,7 @@
             <a:fld id="{044431D6-1E31-4233-8565-4955534BCC81}" type="datetimeFigureOut">
               <a:rPr lang="en-US" smtClean="0"/>
               <a:pPr/>
-              <a:t>4/2/2013</a:t>
+              <a:t>12/8/19</a:t>
             </a:fld>
             <a:endParaRPr lang="en-US"/>
           </a:p>
@@ -3703,10 +3675,9 @@
           <a:lstStyle/>
           <a:p>
             <a:r>
-              <a:rPr lang="en-US" smtClean="0"/>
+              <a:rPr lang="en-US"/>
               <a:t>Click to edit Master title style</a:t>
             </a:r>
-            <a:endParaRPr lang="en-US"/>
           </a:p>
         </p:txBody>
       </p:sp>
@@ -3760,38 +3731,37 @@
           <a:p>
             <a:pPr lvl="0"/>
             <a:r>
-              <a:rPr lang="en-US" smtClean="0"/>
+              <a:rPr lang="en-US"/>
               <a:t>Click to edit Master text styles</a:t>
             </a:r>
           </a:p>
           <a:p>
             <a:pPr lvl="1"/>
             <a:r>
-              <a:rPr lang="en-US" smtClean="0"/>
+              <a:rPr lang="en-US"/>
               <a:t>Second level</a:t>
             </a:r>
           </a:p>
           <a:p>
             <a:pPr lvl="2"/>
             <a:r>
-              <a:rPr lang="en-US" smtClean="0"/>
+              <a:rPr lang="en-US"/>
               <a:t>Third level</a:t>
             </a:r>
           </a:p>
           <a:p>
             <a:pPr lvl="3"/>
             <a:r>
-              <a:rPr lang="en-US" smtClean="0"/>
+              <a:rPr lang="en-US"/>
               <a:t>Fourth level</a:t>
             </a:r>
           </a:p>
           <a:p>
             <a:pPr lvl="4"/>
             <a:r>
-              <a:rPr lang="en-US" smtClean="0"/>
+              <a:rPr lang="en-US"/>
               <a:t>Fifth level</a:t>
             </a:r>
-            <a:endParaRPr lang="en-US"/>
           </a:p>
         </p:txBody>
       </p:sp>
@@ -3845,38 +3815,37 @@
           <a:p>
             <a:pPr lvl="0"/>
             <a:r>
-              <a:rPr lang="en-US" smtClean="0"/>
+              <a:rPr lang="en-US"/>
               <a:t>Click to edit Master text styles</a:t>
             </a:r>
           </a:p>
           <a:p>
             <a:pPr lvl="1"/>
             <a:r>
-              <a:rPr lang="en-US" smtClean="0"/>
+              <a:rPr lang="en-US"/>
               <a:t>Second level</a:t>
             </a:r>
           </a:p>
           <a:p>
             <a:pPr lvl="2"/>
             <a:r>
-              <a:rPr lang="en-US" smtClean="0"/>
+              <a:rPr lang="en-US"/>
               <a:t>Third level</a:t>
             </a:r>
           </a:p>
           <a:p>
             <a:pPr lvl="3"/>
             <a:r>
-              <a:rPr lang="en-US" smtClean="0"/>
+              <a:rPr lang="en-US"/>
               <a:t>Fourth level</a:t>
             </a:r>
           </a:p>
           <a:p>
             <a:pPr lvl="4"/>
             <a:r>
-              <a:rPr lang="en-US" smtClean="0"/>
+              <a:rPr lang="en-US"/>
               <a:t>Fifth level</a:t>
             </a:r>
-            <a:endParaRPr lang="en-US"/>
           </a:p>
         </p:txBody>
       </p:sp>
@@ -3898,7 +3867,7 @@
             <a:fld id="{044431D6-1E31-4233-8565-4955534BCC81}" type="datetimeFigureOut">
               <a:rPr lang="en-US" smtClean="0"/>
               <a:pPr/>
-              <a:t>4/2/2013</a:t>
+              <a:t>12/8/19</a:t>
             </a:fld>
             <a:endParaRPr lang="en-US"/>
           </a:p>
@@ -3992,10 +3961,9 @@
           </a:lstStyle>
           <a:p>
             <a:r>
-              <a:rPr lang="en-US" smtClean="0"/>
+              <a:rPr lang="en-US"/>
               <a:t>Click to edit Master title style</a:t>
             </a:r>
-            <a:endParaRPr lang="en-US"/>
           </a:p>
         </p:txBody>
       </p:sp>
@@ -4058,7 +4026,7 @@
           <a:p>
             <a:pPr lvl="0"/>
             <a:r>
-              <a:rPr lang="en-US" smtClean="0"/>
+              <a:rPr lang="en-US"/>
               <a:t>Click to edit Master text styles</a:t>
             </a:r>
           </a:p>
@@ -4114,38 +4082,37 @@
           <a:p>
             <a:pPr lvl="0"/>
             <a:r>
-              <a:rPr lang="en-US" smtClean="0"/>
+              <a:rPr lang="en-US"/>
               <a:t>Click to edit Master text styles</a:t>
             </a:r>
           </a:p>
           <a:p>
             <a:pPr lvl="1"/>
             <a:r>
-              <a:rPr lang="en-US" smtClean="0"/>
+              <a:rPr lang="en-US"/>
               <a:t>Second level</a:t>
             </a:r>
           </a:p>
           <a:p>
             <a:pPr lvl="2"/>
             <a:r>
-              <a:rPr lang="en-US" smtClean="0"/>
+              <a:rPr lang="en-US"/>
               <a:t>Third level</a:t>
             </a:r>
           </a:p>
           <a:p>
             <a:pPr lvl="3"/>
             <a:r>
-              <a:rPr lang="en-US" smtClean="0"/>
+              <a:rPr lang="en-US"/>
               <a:t>Fourth level</a:t>
             </a:r>
           </a:p>
           <a:p>
             <a:pPr lvl="4"/>
             <a:r>
-              <a:rPr lang="en-US" smtClean="0"/>
+              <a:rPr lang="en-US"/>
               <a:t>Fifth level</a:t>
             </a:r>
-            <a:endParaRPr lang="en-US"/>
           </a:p>
         </p:txBody>
       </p:sp>
@@ -4208,7 +4175,7 @@
           <a:p>
             <a:pPr lvl="0"/>
             <a:r>
-              <a:rPr lang="en-US" smtClean="0"/>
+              <a:rPr lang="en-US"/>
               <a:t>Click to edit Master text styles</a:t>
             </a:r>
           </a:p>
@@ -4264,38 +4231,37 @@
           <a:p>
             <a:pPr lvl="0"/>
             <a:r>
-              <a:rPr lang="en-US" smtClean="0"/>
+              <a:rPr lang="en-US"/>
               <a:t>Click to edit Master text styles</a:t>
             </a:r>
           </a:p>
           <a:p>
             <a:pPr lvl="1"/>
             <a:r>
-              <a:rPr lang="en-US" smtClean="0"/>
+              <a:rPr lang="en-US"/>
               <a:t>Second level</a:t>
             </a:r>
           </a:p>
           <a:p>
             <a:pPr lvl="2"/>
             <a:r>
-              <a:rPr lang="en-US" smtClean="0"/>
+              <a:rPr lang="en-US"/>
               <a:t>Third level</a:t>
             </a:r>
           </a:p>
           <a:p>
             <a:pPr lvl="3"/>
             <a:r>
-              <a:rPr lang="en-US" smtClean="0"/>
+              <a:rPr lang="en-US"/>
               <a:t>Fourth level</a:t>
             </a:r>
           </a:p>
           <a:p>
             <a:pPr lvl="4"/>
             <a:r>
-              <a:rPr lang="en-US" smtClean="0"/>
+              <a:rPr lang="en-US"/>
               <a:t>Fifth level</a:t>
             </a:r>
-            <a:endParaRPr lang="en-US"/>
           </a:p>
         </p:txBody>
       </p:sp>
@@ -4317,7 +4283,7 @@
             <a:fld id="{044431D6-1E31-4233-8565-4955534BCC81}" type="datetimeFigureOut">
               <a:rPr lang="en-US" smtClean="0"/>
               <a:pPr/>
-              <a:t>4/2/2013</a:t>
+              <a:t>12/8/19</a:t>
             </a:fld>
             <a:endParaRPr lang="en-US"/>
           </a:p>
@@ -4407,10 +4373,9 @@
           <a:lstStyle/>
           <a:p>
             <a:r>
-              <a:rPr lang="en-US" smtClean="0"/>
+              <a:rPr lang="en-US"/>
               <a:t>Click to edit Master title style</a:t>
             </a:r>
-            <a:endParaRPr lang="en-US"/>
           </a:p>
         </p:txBody>
       </p:sp>
@@ -4432,7 +4397,7 @@
             <a:fld id="{044431D6-1E31-4233-8565-4955534BCC81}" type="datetimeFigureOut">
               <a:rPr lang="en-US" smtClean="0"/>
               <a:pPr/>
-              <a:t>4/2/2013</a:t>
+              <a:t>12/8/19</a:t>
             </a:fld>
             <a:endParaRPr lang="en-US"/>
           </a:p>
@@ -4524,7 +4489,7 @@
             <a:fld id="{044431D6-1E31-4233-8565-4955534BCC81}" type="datetimeFigureOut">
               <a:rPr lang="en-US" smtClean="0"/>
               <a:pPr/>
-              <a:t>4/2/2013</a:t>
+              <a:t>12/8/19</a:t>
             </a:fld>
             <a:endParaRPr lang="en-US"/>
           </a:p>
@@ -4623,10 +4588,9 @@
           </a:lstStyle>
           <a:p>
             <a:r>
-              <a:rPr lang="en-US" smtClean="0"/>
+              <a:rPr lang="en-US"/>
               <a:t>Click to edit Master title style</a:t>
             </a:r>
-            <a:endParaRPr lang="en-US"/>
           </a:p>
         </p:txBody>
       </p:sp>
@@ -4680,38 +4644,37 @@
           <a:p>
             <a:pPr lvl="0"/>
             <a:r>
-              <a:rPr lang="en-US" smtClean="0"/>
+              <a:rPr lang="en-US"/>
               <a:t>Click to edit Master text styles</a:t>
             </a:r>
           </a:p>
           <a:p>
             <a:pPr lvl="1"/>
             <a:r>
-              <a:rPr lang="en-US" smtClean="0"/>
+              <a:rPr lang="en-US"/>
               <a:t>Second level</a:t>
             </a:r>
           </a:p>
           <a:p>
             <a:pPr lvl="2"/>
             <a:r>
-              <a:rPr lang="en-US" smtClean="0"/>
+              <a:rPr lang="en-US"/>
               <a:t>Third level</a:t>
             </a:r>
           </a:p>
           <a:p>
             <a:pPr lvl="3"/>
             <a:r>
-              <a:rPr lang="en-US" smtClean="0"/>
+              <a:rPr lang="en-US"/>
               <a:t>Fourth level</a:t>
             </a:r>
           </a:p>
           <a:p>
             <a:pPr lvl="4"/>
             <a:r>
-              <a:rPr lang="en-US" smtClean="0"/>
+              <a:rPr lang="en-US"/>
               <a:t>Fifth level</a:t>
             </a:r>
-            <a:endParaRPr lang="en-US"/>
           </a:p>
         </p:txBody>
       </p:sp>
@@ -4774,7 +4737,7 @@
           <a:p>
             <a:pPr lvl="0"/>
             <a:r>
-              <a:rPr lang="en-US" smtClean="0"/>
+              <a:rPr lang="en-US"/>
               <a:t>Click to edit Master text styles</a:t>
             </a:r>
           </a:p>
@@ -4798,7 +4761,7 @@
             <a:fld id="{044431D6-1E31-4233-8565-4955534BCC81}" type="datetimeFigureOut">
               <a:rPr lang="en-US" smtClean="0"/>
               <a:pPr/>
-              <a:t>4/2/2013</a:t>
+              <a:t>12/8/19</a:t>
             </a:fld>
             <a:endParaRPr lang="en-US"/>
           </a:p>
@@ -4897,10 +4860,9 @@
           </a:lstStyle>
           <a:p>
             <a:r>
-              <a:rPr lang="en-US" smtClean="0"/>
+              <a:rPr lang="en-US"/>
               <a:t>Click to edit Master title style</a:t>
             </a:r>
-            <a:endParaRPr lang="en-US"/>
           </a:p>
         </p:txBody>
       </p:sp>
@@ -5024,7 +4986,7 @@
           <a:p>
             <a:pPr lvl="0"/>
             <a:r>
-              <a:rPr lang="en-US" smtClean="0"/>
+              <a:rPr lang="en-US"/>
               <a:t>Click to edit Master text styles</a:t>
             </a:r>
           </a:p>
@@ -5048,7 +5010,7 @@
             <a:fld id="{044431D6-1E31-4233-8565-4955534BCC81}" type="datetimeFigureOut">
               <a:rPr lang="en-US" smtClean="0"/>
               <a:pPr/>
-              <a:t>4/2/2013</a:t>
+              <a:t>12/8/19</a:t>
             </a:fld>
             <a:endParaRPr lang="en-US"/>
           </a:p>
@@ -5153,10 +5115,9 @@
           <a:lstStyle/>
           <a:p>
             <a:r>
-              <a:rPr lang="en-US" smtClean="0"/>
+              <a:rPr lang="en-US"/>
               <a:t>Click to edit Master title style</a:t>
             </a:r>
-            <a:endParaRPr lang="en-US"/>
           </a:p>
         </p:txBody>
       </p:sp>
@@ -5187,38 +5148,37 @@
           <a:p>
             <a:pPr lvl="0"/>
             <a:r>
-              <a:rPr lang="en-US" smtClean="0"/>
+              <a:rPr lang="en-US"/>
               <a:t>Click to edit Master text styles</a:t>
             </a:r>
           </a:p>
           <a:p>
             <a:pPr lvl="1"/>
             <a:r>
-              <a:rPr lang="en-US" smtClean="0"/>
+              <a:rPr lang="en-US"/>
               <a:t>Second level</a:t>
             </a:r>
           </a:p>
           <a:p>
             <a:pPr lvl="2"/>
             <a:r>
-              <a:rPr lang="en-US" smtClean="0"/>
+              <a:rPr lang="en-US"/>
               <a:t>Third level</a:t>
             </a:r>
           </a:p>
           <a:p>
             <a:pPr lvl="3"/>
             <a:r>
-              <a:rPr lang="en-US" smtClean="0"/>
+              <a:rPr lang="en-US"/>
               <a:t>Fourth level</a:t>
             </a:r>
           </a:p>
           <a:p>
             <a:pPr lvl="4"/>
             <a:r>
-              <a:rPr lang="en-US" smtClean="0"/>
+              <a:rPr lang="en-US"/>
               <a:t>Fifth level</a:t>
             </a:r>
-            <a:endParaRPr lang="en-US"/>
           </a:p>
         </p:txBody>
       </p:sp>
@@ -5258,7 +5218,7 @@
             <a:fld id="{044431D6-1E31-4233-8565-4955534BCC81}" type="datetimeFigureOut">
               <a:rPr lang="en-US" smtClean="0"/>
               <a:pPr/>
-              <a:t>4/2/2013</a:t>
+              <a:t>12/8/19</a:t>
             </a:fld>
             <a:endParaRPr lang="en-US"/>
           </a:p>
@@ -5670,7 +5630,7 @@
             <a:fld id="{E5DB6A83-9C56-44F1-AE04-6F52068BD753}" type="datetimeFigureOut">
               <a:rPr lang="en-US" smtClean="0"/>
               <a:pPr/>
-              <a:t>4/2/2013</a:t>
+              <a:t>12/8/19</a:t>
             </a:fld>
             <a:endParaRPr lang="en-US"/>
           </a:p>
@@ -5837,7 +5797,7 @@
                 <a:tabLst/>
                 <a:defRPr/>
               </a:pPr>
-              <a:t>4/2/2013</a:t>
+              <a:t>12/8/19</a:t>
             </a:fld>
             <a:endParaRPr kumimoji="0" lang="en-US" sz="1200" b="0" i="0" u="none" strike="noStrike" kern="1200" cap="none" spc="0" normalizeH="0" baseline="0" noProof="0">
               <a:ln>
@@ -6453,7 +6413,7 @@
             <a:fld id="{1D8BD707-D9CF-40AE-B4C6-C98DA3205C09}" type="datetimeFigureOut">
               <a:rPr lang="en-US" smtClean="0"/>
               <a:pPr/>
-              <a:t>4/2/2013</a:t>
+              <a:t>12/8/19</a:t>
             </a:fld>
             <a:endParaRPr lang="en-US"/>
           </a:p>
@@ -6604,7 +6564,7 @@
           <a:p>
             <a:pPr algn="ctr"/>
             <a:r>
-              <a:rPr lang="en-US" sz="3600" b="1" smtClean="0">
+              <a:rPr lang="en-US" sz="3600" b="1" dirty="0">
                 <a:solidFill>
                   <a:srgbClr val="C00000"/>
                 </a:solidFill>
@@ -6615,11 +6575,11 @@
                     </a:schemeClr>
                   </a:glow>
                 </a:effectLst>
-                <a:latin typeface="HP-Busorama" pitchFamily="34" charset="0"/>
+                <a:latin typeface="VNI-Times" pitchFamily="2" charset="0"/>
               </a:rPr>
               <a:t>TOÂN VINH CHUÙA - BIEÄT THAÙNH CA</a:t>
             </a:r>
-            <a:endParaRPr lang="en-US" sz="5400" b="1" smtClean="0">
+            <a:endParaRPr lang="en-US" sz="5400" b="1" dirty="0">
               <a:solidFill>
                 <a:srgbClr val="C00000"/>
               </a:solidFill>
@@ -6630,7 +6590,7 @@
                   </a:schemeClr>
                 </a:glow>
               </a:effectLst>
-              <a:latin typeface="HP-Busorama" pitchFamily="34" charset="0"/>
+              <a:latin typeface="VNI-Times" pitchFamily="2" charset="0"/>
             </a:endParaRPr>
           </a:p>
         </p:txBody>
@@ -6643,7 +6603,7 @@
         </p:nvSpPr>
         <p:spPr>
           <a:xfrm>
-            <a:off x="444500" y="3810000"/>
+            <a:off x="762000" y="3866148"/>
             <a:ext cx="8229600" cy="2308324"/>
           </a:xfrm>
           <a:prstGeom prst="rect">
@@ -6659,7 +6619,7 @@
           <a:p>
             <a:pPr algn="ctr"/>
             <a:r>
-              <a:rPr lang="en-US" sz="7200" b="1" dirty="0" smtClean="0">
+              <a:rPr lang="en-US" sz="7200" dirty="0">
                 <a:ln w="28575">
                   <a:solidFill>
                     <a:schemeClr val="accent2">
@@ -6679,12 +6639,12 @@
                     </a:srgbClr>
                   </a:outerShdw>
                 </a:effectLst>
-                <a:latin typeface="VNI-Jamai" pitchFamily="2" charset="0"/>
+                <a:latin typeface="VNI-Top Normal" pitchFamily="2" charset="0"/>
               </a:rPr>
               <a:t>     </a:t>
             </a:r>
             <a:r>
-              <a:rPr lang="en-US" sz="7200" b="1" dirty="0" err="1" smtClean="0">
+              <a:rPr lang="en-US" sz="7200" dirty="0" err="1">
                 <a:ln w="28575">
                   <a:solidFill>
                     <a:schemeClr val="accent2">
@@ -6704,12 +6664,12 @@
                     </a:srgbClr>
                   </a:outerShdw>
                 </a:effectLst>
-                <a:latin typeface="VNI-Jamai" pitchFamily="2" charset="0"/>
+                <a:latin typeface="VNI-Top Normal" pitchFamily="2" charset="0"/>
               </a:rPr>
               <a:t>ÌNH</a:t>
             </a:r>
             <a:r>
-              <a:rPr lang="en-US" sz="7200" b="1" dirty="0" smtClean="0">
+              <a:rPr lang="en-US" sz="7200" dirty="0">
                 <a:ln w="28575">
                   <a:solidFill>
                     <a:schemeClr val="accent2">
@@ -6729,12 +6689,12 @@
                     </a:srgbClr>
                   </a:outerShdw>
                 </a:effectLst>
-                <a:latin typeface="VNI-Jamai" pitchFamily="2" charset="0"/>
+                <a:latin typeface="VNI-Top Normal" pitchFamily="2" charset="0"/>
               </a:rPr>
               <a:t> </a:t>
             </a:r>
             <a:r>
-              <a:rPr lang="en-US" sz="7200" b="1" dirty="0" err="1" smtClean="0">
+              <a:rPr lang="en-US" sz="7200" dirty="0" err="1">
                 <a:ln w="28575">
                   <a:solidFill>
                     <a:schemeClr val="accent2">
@@ -6754,12 +6714,12 @@
                     </a:srgbClr>
                   </a:outerShdw>
                 </a:effectLst>
-                <a:latin typeface="VNI-Jamai" pitchFamily="2" charset="0"/>
+                <a:latin typeface="VNI-Top Normal" pitchFamily="2" charset="0"/>
               </a:rPr>
               <a:t>YEÂU</a:t>
             </a:r>
             <a:r>
-              <a:rPr lang="en-US" sz="7200" b="1" dirty="0" smtClean="0">
+              <a:rPr lang="en-US" sz="7200" dirty="0">
                 <a:ln w="28575">
                   <a:solidFill>
                     <a:schemeClr val="accent2">
@@ -6779,12 +6739,12 @@
                     </a:srgbClr>
                   </a:outerShdw>
                 </a:effectLst>
-                <a:latin typeface="VNI-Jamai" pitchFamily="2" charset="0"/>
+                <a:latin typeface="VNI-Top Normal" pitchFamily="2" charset="0"/>
               </a:rPr>
               <a:t> </a:t>
             </a:r>
             <a:br>
-              <a:rPr lang="en-US" sz="7200" b="1" dirty="0" smtClean="0">
+              <a:rPr lang="en-US" sz="7200" dirty="0">
                 <a:ln w="28575">
                   <a:solidFill>
                     <a:schemeClr val="accent2">
@@ -6804,11 +6764,11 @@
                     </a:srgbClr>
                   </a:outerShdw>
                 </a:effectLst>
-                <a:latin typeface="VNI-Jamai" pitchFamily="2" charset="0"/>
+                <a:latin typeface="VNI-Top Normal" pitchFamily="2" charset="0"/>
               </a:rPr>
             </a:br>
             <a:r>
-              <a:rPr lang="en-US" sz="7200" b="1" dirty="0" err="1" smtClean="0">
+              <a:rPr lang="en-US" sz="7200" dirty="0" err="1">
                 <a:ln w="28575">
                   <a:solidFill>
                     <a:schemeClr val="accent2">
@@ -6828,12 +6788,12 @@
                     </a:srgbClr>
                   </a:outerShdw>
                 </a:effectLst>
-                <a:latin typeface="VNI-Jamai" pitchFamily="2" charset="0"/>
+                <a:latin typeface="VNI-Top Normal" pitchFamily="2" charset="0"/>
               </a:rPr>
               <a:t>LÔÙN</a:t>
             </a:r>
             <a:r>
-              <a:rPr lang="en-US" sz="7200" b="1" dirty="0" smtClean="0">
+              <a:rPr lang="en-US" sz="7200" dirty="0">
                 <a:ln w="28575">
                   <a:solidFill>
                     <a:schemeClr val="accent2">
@@ -6853,11 +6813,11 @@
                     </a:srgbClr>
                   </a:outerShdw>
                 </a:effectLst>
-                <a:latin typeface="VNI-Jamai" pitchFamily="2" charset="0"/>
+                <a:latin typeface="VNI-Top Normal" pitchFamily="2" charset="0"/>
               </a:rPr>
               <a:t> LAO</a:t>
             </a:r>
-            <a:endParaRPr lang="en-US" sz="11500" b="1" dirty="0" smtClean="0">
+            <a:endParaRPr lang="en-US" sz="11500" dirty="0">
               <a:ln w="28575">
                 <a:solidFill>
                   <a:schemeClr val="accent2">
@@ -6877,7 +6837,7 @@
                   </a:srgbClr>
                 </a:outerShdw>
               </a:effectLst>
-              <a:latin typeface="VNI-Jamai" pitchFamily="2" charset="0"/>
+              <a:latin typeface="VNI-Top Normal" pitchFamily="2" charset="0"/>
             </a:endParaRPr>
           </a:p>
         </p:txBody>
@@ -7130,25 +7090,18 @@
   <p:clrMapOvr>
     <a:masterClrMapping/>
   </p:clrMapOvr>
-  <mc:AlternateContent xmlns:mc="http://schemas.openxmlformats.org/markup-compatibility/2006">
-    <mc:Choice xmlns:p14="http://schemas.microsoft.com/office/powerpoint/2010/main" Requires="p14">
+  <mc:AlternateContent xmlns:mc="http://schemas.openxmlformats.org/markup-compatibility/2006" xmlns:p14="http://schemas.microsoft.com/office/powerpoint/2010/main">
+    <mc:Choice Requires="p14">
       <p:transition spd="slow" p14:dur="800">
         <p:circle/>
       </p:transition>
     </mc:Choice>
-    <mc:Fallback>
+    <mc:Fallback xmlns="">
       <p:transition spd="slow">
         <p:circle/>
       </p:transition>
     </mc:Fallback>
   </mc:AlternateContent>
-  <p:timing>
-    <p:tnLst>
-      <p:par>
-        <p:cTn id="1" dur="indefinite" restart="never" nodeType="tmRoot"/>
-      </p:par>
-    </p:tnLst>
-  </p:timing>
 </p:sld>
 </file>
 
@@ -7208,85 +7161,133 @@
           </a:lstStyle>
           <a:p>
             <a:r>
-              <a:rPr lang="en-US" dirty="0" err="1"/>
-              <a:t>S</a:t>
-            </a:r>
-            <a:r>
-              <a:rPr lang="en-US"/>
-              <a:t>eõ </a:t>
-            </a:r>
-            <a:r>
-              <a:rPr lang="en-US" dirty="0" err="1"/>
+              <a:rPr lang="en-US" dirty="0" err="1">
+                <a:latin typeface="VNI-Times" pitchFamily="2" charset="0"/>
+              </a:rPr>
+              <a:t>Seõ</a:t>
+            </a:r>
+            <a:r>
+              <a:rPr lang="en-US" dirty="0">
+                <a:latin typeface="VNI-Times" pitchFamily="2" charset="0"/>
+              </a:rPr>
+              <a:t> </a:t>
+            </a:r>
+            <a:r>
+              <a:rPr lang="en-US" dirty="0" err="1">
+                <a:latin typeface="VNI-Times" pitchFamily="2" charset="0"/>
+              </a:rPr>
               <a:t>khoâng</a:t>
             </a:r>
             <a:r>
-              <a:rPr lang="en-US" dirty="0"/>
+              <a:rPr lang="en-US" dirty="0">
+                <a:latin typeface="VNI-Times" pitchFamily="2" charset="0"/>
+              </a:rPr>
               <a:t> </a:t>
             </a:r>
             <a:r>
-              <a:rPr lang="en-US" err="1"/>
+              <a:rPr lang="en-US" dirty="0" err="1">
+                <a:latin typeface="VNI-Times" pitchFamily="2" charset="0"/>
+              </a:rPr>
               <a:t>phai</a:t>
             </a:r>
             <a:r>
-              <a:rPr lang="en-US"/>
-              <a:t> môø</a:t>
-            </a:r>
-            <a:r>
-              <a:rPr lang="en-US"/>
+              <a:rPr lang="en-US" dirty="0">
+                <a:latin typeface="VNI-Times" pitchFamily="2" charset="0"/>
+              </a:rPr>
+              <a:t> </a:t>
+            </a:r>
+            <a:r>
+              <a:rPr lang="en-US" dirty="0" err="1">
+                <a:latin typeface="VNI-Times" pitchFamily="2" charset="0"/>
+              </a:rPr>
+              <a:t>môø</a:t>
+            </a:r>
+            <a:r>
+              <a:rPr lang="en-US" dirty="0">
+                <a:latin typeface="VNI-Times" pitchFamily="2" charset="0"/>
+              </a:rPr>
               <a:t>, </a:t>
             </a:r>
-            <a:r>
-              <a:rPr lang="en-US" smtClean="0"/>
-              <a:t/>
-            </a:r>
             <a:br>
-              <a:rPr lang="en-US" smtClean="0"/>
+              <a:rPr lang="en-US" dirty="0">
+                <a:latin typeface="VNI-Times" pitchFamily="2" charset="0"/>
+              </a:rPr>
             </a:br>
             <a:r>
-              <a:rPr lang="en-US" smtClean="0"/>
-              <a:t>oâi </a:t>
-            </a:r>
-            <a:r>
-              <a:rPr lang="en-US" dirty="0" err="1"/>
+              <a:rPr lang="en-US" dirty="0" err="1">
+                <a:latin typeface="VNI-Times" pitchFamily="2" charset="0"/>
+              </a:rPr>
+              <a:t>oâi</a:t>
+            </a:r>
+            <a:r>
+              <a:rPr lang="en-US" dirty="0">
+                <a:latin typeface="VNI-Times" pitchFamily="2" charset="0"/>
+              </a:rPr>
+              <a:t> </a:t>
+            </a:r>
+            <a:r>
+              <a:rPr lang="en-US" dirty="0" err="1">
+                <a:latin typeface="VNI-Times" pitchFamily="2" charset="0"/>
+              </a:rPr>
               <a:t>tình</a:t>
             </a:r>
             <a:r>
-              <a:rPr lang="en-US" dirty="0"/>
+              <a:rPr lang="en-US" dirty="0">
+                <a:latin typeface="VNI-Times" pitchFamily="2" charset="0"/>
+              </a:rPr>
               <a:t> </a:t>
             </a:r>
             <a:r>
-              <a:rPr lang="en-US" dirty="0" err="1"/>
+              <a:rPr lang="en-US" dirty="0" err="1">
+                <a:latin typeface="VNI-Times" pitchFamily="2" charset="0"/>
+              </a:rPr>
               <a:t>yeâu</a:t>
             </a:r>
             <a:r>
-              <a:rPr lang="en-US" dirty="0"/>
+              <a:rPr lang="en-US" dirty="0">
+                <a:latin typeface="VNI-Times" pitchFamily="2" charset="0"/>
+              </a:rPr>
               <a:t> </a:t>
             </a:r>
             <a:r>
-              <a:rPr lang="en-US" err="1"/>
+              <a:rPr lang="en-US" dirty="0" err="1">
+                <a:latin typeface="VNI-Times" pitchFamily="2" charset="0"/>
+              </a:rPr>
               <a:t>Chuùa</a:t>
             </a:r>
             <a:r>
-              <a:rPr lang="en-US"/>
+              <a:rPr lang="en-US" dirty="0">
+                <a:latin typeface="VNI-Times" pitchFamily="2" charset="0"/>
+              </a:rPr>
               <a:t> </a:t>
             </a:r>
-            <a:r>
-              <a:rPr lang="en-US" smtClean="0"/>
-              <a:t/>
-            </a:r>
             <a:br>
-              <a:rPr lang="en-US" smtClean="0"/>
+              <a:rPr lang="en-US" dirty="0">
+                <a:latin typeface="VNI-Times" pitchFamily="2" charset="0"/>
+              </a:rPr>
             </a:br>
             <a:r>
-              <a:rPr lang="en-US" smtClean="0"/>
-              <a:t>ñaäm </a:t>
-            </a:r>
-            <a:r>
-              <a:rPr lang="en-US" dirty="0" err="1"/>
+              <a:rPr lang="en-US" dirty="0" err="1">
+                <a:latin typeface="VNI-Times" pitchFamily="2" charset="0"/>
+              </a:rPr>
+              <a:t>ñaäm</a:t>
+            </a:r>
+            <a:r>
+              <a:rPr lang="en-US" dirty="0">
+                <a:latin typeface="VNI-Times" pitchFamily="2" charset="0"/>
+              </a:rPr>
+              <a:t> </a:t>
+            </a:r>
+            <a:r>
+              <a:rPr lang="en-US" dirty="0" err="1">
+                <a:latin typeface="VNI-Times" pitchFamily="2" charset="0"/>
+              </a:rPr>
               <a:t>saâu</a:t>
             </a:r>
             <a:r>
-              <a:rPr lang="en-US" dirty="0"/>
+              <a:rPr lang="en-US" dirty="0">
+                <a:latin typeface="VNI-Times" pitchFamily="2" charset="0"/>
+              </a:rPr>
               <a:t>.</a:t>
             </a:r>
           </a:p>
@@ -7316,7 +7317,7 @@
           <a:p>
             <a:pPr algn="ctr"/>
             <a:r>
-              <a:rPr lang="en-US" sz="4000" b="1" spc="-150">
+              <a:rPr lang="en-US" sz="4000" b="1" spc="-150" dirty="0">
                 <a:ln w="11430"/>
                 <a:solidFill>
                   <a:schemeClr val="bg1"/>
@@ -7331,27 +7332,10 @@
                     </a:srgbClr>
                   </a:outerShdw>
                 </a:effectLst>
-                <a:latin typeface="HP-Bank" panose="020B0603050302020204" pitchFamily="34" charset="0"/>
+                <a:latin typeface="VNI-Times" pitchFamily="2" charset="0"/>
               </a:rPr>
               <a:t>TÌNH YEÂU LÔÙN LAO</a:t>
             </a:r>
-            <a:endParaRPr lang="en-US" sz="4000" b="1" spc="-150">
-              <a:ln w="11430"/>
-              <a:solidFill>
-                <a:schemeClr val="bg1"/>
-              </a:solidFill>
-              <a:effectLst>
-                <a:glow rad="127000">
-                  <a:prstClr val="black"/>
-                </a:glow>
-                <a:outerShdw blurRad="50800" dist="39000" dir="5460000" algn="tl">
-                  <a:srgbClr val="000000">
-                    <a:alpha val="38000"/>
-                  </a:srgbClr>
-                </a:outerShdw>
-              </a:effectLst>
-              <a:latin typeface="HP-Bank" panose="020B0603050302020204" pitchFamily="34" charset="0"/>
-            </a:endParaRPr>
           </a:p>
         </p:txBody>
       </p:sp>
@@ -7360,13 +7344,6 @@
   <p:clrMapOvr>
     <a:masterClrMapping/>
   </p:clrMapOvr>
-  <p:timing>
-    <p:tnLst>
-      <p:par>
-        <p:cTn id="1" dur="indefinite" restart="never" nodeType="tmRoot"/>
-      </p:par>
-    </p:tnLst>
-  </p:timing>
 </p:sld>
 </file>
 
@@ -7426,64 +7403,99 @@
           </a:lstStyle>
           <a:p>
             <a:r>
-              <a:rPr lang="en-US" dirty="0" err="1"/>
+              <a:rPr lang="en-US" dirty="0" err="1">
+                <a:latin typeface="VNI-Times" pitchFamily="2" charset="0"/>
+              </a:rPr>
               <a:t>Ngaøi</a:t>
             </a:r>
             <a:r>
-              <a:rPr lang="en-US" dirty="0"/>
+              <a:rPr lang="en-US" dirty="0">
+                <a:latin typeface="VNI-Times" pitchFamily="2" charset="0"/>
+              </a:rPr>
               <a:t> </a:t>
             </a:r>
             <a:r>
-              <a:rPr lang="en-US" dirty="0" err="1"/>
+              <a:rPr lang="en-US" dirty="0" err="1">
+                <a:latin typeface="VNI-Times" pitchFamily="2" charset="0"/>
+              </a:rPr>
               <a:t>luoân</a:t>
             </a:r>
             <a:r>
-              <a:rPr lang="en-US" dirty="0"/>
+              <a:rPr lang="en-US" dirty="0">
+                <a:latin typeface="VNI-Times" pitchFamily="2" charset="0"/>
+              </a:rPr>
               <a:t> </a:t>
             </a:r>
             <a:r>
-              <a:rPr lang="en-US" err="1"/>
+              <a:rPr lang="en-US" dirty="0" err="1">
+                <a:latin typeface="VNI-Times" pitchFamily="2" charset="0"/>
+              </a:rPr>
               <a:t>laø</a:t>
             </a:r>
             <a:r>
-              <a:rPr lang="en-US"/>
+              <a:rPr lang="en-US" dirty="0">
+                <a:latin typeface="VNI-Times" pitchFamily="2" charset="0"/>
+              </a:rPr>
               <a:t> </a:t>
             </a:r>
             <a:br>
-              <a:rPr lang="en-US"/>
+              <a:rPr lang="en-US" dirty="0">
+                <a:latin typeface="VNI-Times" pitchFamily="2" charset="0"/>
+              </a:rPr>
             </a:br>
             <a:r>
-              <a:rPr lang="en-US"/>
-              <a:t>baøi </a:t>
-            </a:r>
-            <a:r>
-              <a:rPr lang="en-US" dirty="0"/>
-              <a:t>ca </a:t>
-            </a:r>
-            <a:r>
-              <a:rPr lang="en-US" err="1"/>
+              <a:rPr lang="en-US" dirty="0" err="1">
+                <a:latin typeface="VNI-Times" pitchFamily="2" charset="0"/>
+              </a:rPr>
+              <a:t>baøi</a:t>
+            </a:r>
+            <a:r>
+              <a:rPr lang="en-US" dirty="0">
+                <a:latin typeface="VNI-Times" pitchFamily="2" charset="0"/>
+              </a:rPr>
+              <a:t> ca </a:t>
+            </a:r>
+            <a:r>
+              <a:rPr lang="en-US" dirty="0" err="1">
+                <a:latin typeface="VNI-Times" pitchFamily="2" charset="0"/>
+              </a:rPr>
               <a:t>trong</a:t>
             </a:r>
             <a:r>
-              <a:rPr lang="en-US"/>
+              <a:rPr lang="en-US" dirty="0">
+                <a:latin typeface="VNI-Times" pitchFamily="2" charset="0"/>
+              </a:rPr>
               <a:t> </a:t>
             </a:r>
             <a:br>
-              <a:rPr lang="en-US"/>
+              <a:rPr lang="en-US" dirty="0">
+                <a:latin typeface="VNI-Times" pitchFamily="2" charset="0"/>
+              </a:rPr>
             </a:br>
             <a:r>
-              <a:rPr lang="en-US"/>
-              <a:t>taâm </a:t>
-            </a:r>
-            <a:r>
-              <a:rPr lang="en-US"/>
-              <a:t>cuûa </a:t>
-            </a:r>
-            <a:r>
-              <a:rPr lang="en-US" smtClean="0"/>
-              <a:t>con.</a:t>
-            </a:r>
-            <a:endParaRPr lang="en-US" dirty="0"/>
+              <a:rPr lang="en-US" dirty="0" err="1">
+                <a:latin typeface="VNI-Times" pitchFamily="2" charset="0"/>
+              </a:rPr>
+              <a:t>taâm</a:t>
+            </a:r>
+            <a:r>
+              <a:rPr lang="en-US" dirty="0">
+                <a:latin typeface="VNI-Times" pitchFamily="2" charset="0"/>
+              </a:rPr>
+              <a:t> </a:t>
+            </a:r>
+            <a:r>
+              <a:rPr lang="en-US" dirty="0" err="1">
+                <a:latin typeface="VNI-Times" pitchFamily="2" charset="0"/>
+              </a:rPr>
+              <a:t>cuûa</a:t>
+            </a:r>
+            <a:r>
+              <a:rPr lang="en-US" dirty="0">
+                <a:latin typeface="VNI-Times" pitchFamily="2" charset="0"/>
+              </a:rPr>
+              <a:t> con.</a:t>
+            </a:r>
           </a:p>
         </p:txBody>
       </p:sp>
@@ -7511,7 +7523,7 @@
           <a:p>
             <a:pPr algn="ctr"/>
             <a:r>
-              <a:rPr lang="en-US" sz="4000" b="1" spc="-150">
+              <a:rPr lang="en-US" sz="4000" b="1" spc="-150" dirty="0">
                 <a:ln w="11430"/>
                 <a:solidFill>
                   <a:schemeClr val="bg1"/>
@@ -7526,27 +7538,10 @@
                     </a:srgbClr>
                   </a:outerShdw>
                 </a:effectLst>
-                <a:latin typeface="HP-Bank" panose="020B0603050302020204" pitchFamily="34" charset="0"/>
+                <a:latin typeface="VNI-Times" pitchFamily="2" charset="0"/>
               </a:rPr>
               <a:t>TÌNH YEÂU LÔÙN LAO</a:t>
             </a:r>
-            <a:endParaRPr lang="en-US" sz="4000" b="1" spc="-150">
-              <a:ln w="11430"/>
-              <a:solidFill>
-                <a:schemeClr val="bg1"/>
-              </a:solidFill>
-              <a:effectLst>
-                <a:glow rad="127000">
-                  <a:prstClr val="black"/>
-                </a:glow>
-                <a:outerShdw blurRad="50800" dist="39000" dir="5460000" algn="tl">
-                  <a:srgbClr val="000000">
-                    <a:alpha val="38000"/>
-                  </a:srgbClr>
-                </a:outerShdw>
-              </a:effectLst>
-              <a:latin typeface="HP-Bank" panose="020B0603050302020204" pitchFamily="34" charset="0"/>
-            </a:endParaRPr>
           </a:p>
         </p:txBody>
       </p:sp>
@@ -7555,13 +7550,6 @@
   <p:clrMapOvr>
     <a:masterClrMapping/>
   </p:clrMapOvr>
-  <p:timing>
-    <p:tnLst>
-      <p:par>
-        <p:cTn id="1" dur="indefinite" restart="never" nodeType="tmRoot"/>
-      </p:par>
-    </p:tnLst>
-  </p:timing>
 </p:sld>
 </file>
 
@@ -7621,78 +7609,116 @@
           </a:lstStyle>
           <a:p>
             <a:r>
-              <a:rPr lang="en-US" dirty="0" err="1"/>
+              <a:rPr lang="en-US" dirty="0" err="1">
+                <a:latin typeface="VNI-Times" pitchFamily="2" charset="0"/>
+              </a:rPr>
               <a:t>Chuùa</a:t>
             </a:r>
             <a:r>
-              <a:rPr lang="en-US" dirty="0"/>
+              <a:rPr lang="en-US" dirty="0">
+                <a:latin typeface="VNI-Times" pitchFamily="2" charset="0"/>
+              </a:rPr>
               <a:t> </a:t>
             </a:r>
             <a:r>
-              <a:rPr lang="en-US" dirty="0" err="1"/>
+              <a:rPr lang="en-US" dirty="0" err="1">
+                <a:latin typeface="VNI-Times" pitchFamily="2" charset="0"/>
+              </a:rPr>
               <a:t>yeâu</a:t>
             </a:r>
             <a:r>
-              <a:rPr lang="en-US" dirty="0"/>
+              <a:rPr lang="en-US" dirty="0">
+                <a:latin typeface="VNI-Times" pitchFamily="2" charset="0"/>
+              </a:rPr>
               <a:t> con </a:t>
             </a:r>
             <a:r>
-              <a:rPr lang="en-US" dirty="0" err="1"/>
+              <a:rPr lang="en-US" dirty="0" err="1">
+                <a:latin typeface="VNI-Times" pitchFamily="2" charset="0"/>
+              </a:rPr>
               <a:t>nhieàu</a:t>
             </a:r>
             <a:r>
-              <a:rPr lang="en-US" dirty="0"/>
+              <a:rPr lang="en-US" dirty="0">
+                <a:latin typeface="VNI-Times" pitchFamily="2" charset="0"/>
+              </a:rPr>
               <a:t>, </a:t>
             </a:r>
             <a:r>
-              <a:rPr lang="en-US" dirty="0" err="1"/>
+              <a:rPr lang="en-US" dirty="0" err="1">
+                <a:latin typeface="VNI-Times" pitchFamily="2" charset="0"/>
+              </a:rPr>
               <a:t>muoân</a:t>
             </a:r>
             <a:r>
-              <a:rPr lang="en-US" dirty="0"/>
+              <a:rPr lang="en-US" dirty="0">
+                <a:latin typeface="VNI-Times" pitchFamily="2" charset="0"/>
+              </a:rPr>
               <a:t> </a:t>
             </a:r>
             <a:r>
-              <a:rPr lang="en-US" dirty="0" err="1"/>
+              <a:rPr lang="en-US" dirty="0" err="1">
+                <a:latin typeface="VNI-Times" pitchFamily="2" charset="0"/>
+              </a:rPr>
               <a:t>ñôøi</a:t>
             </a:r>
             <a:r>
-              <a:rPr lang="en-US" dirty="0"/>
+              <a:rPr lang="en-US" dirty="0">
+                <a:latin typeface="VNI-Times" pitchFamily="2" charset="0"/>
+              </a:rPr>
               <a:t> </a:t>
             </a:r>
             <a:r>
-              <a:rPr lang="en-US" err="1"/>
+              <a:rPr lang="en-US" dirty="0" err="1">
+                <a:latin typeface="VNI-Times" pitchFamily="2" charset="0"/>
+              </a:rPr>
               <a:t>Chuùa</a:t>
             </a:r>
             <a:r>
-              <a:rPr lang="en-US"/>
+              <a:rPr lang="en-US" dirty="0">
+                <a:latin typeface="VNI-Times" pitchFamily="2" charset="0"/>
+              </a:rPr>
               <a:t> </a:t>
             </a:r>
-            <a:r>
-              <a:rPr lang="en-US" smtClean="0"/>
-              <a:t/>
-            </a:r>
             <a:br>
-              <a:rPr lang="en-US" smtClean="0"/>
+              <a:rPr lang="en-US" dirty="0">
+                <a:latin typeface="VNI-Times" pitchFamily="2" charset="0"/>
+              </a:rPr>
             </a:br>
             <a:r>
-              <a:rPr lang="en-US" smtClean="0"/>
-              <a:t>vaãn </a:t>
-            </a:r>
-            <a:r>
-              <a:rPr lang="en-US" dirty="0" err="1"/>
+              <a:rPr lang="en-US" dirty="0" err="1">
+                <a:latin typeface="VNI-Times" pitchFamily="2" charset="0"/>
+              </a:rPr>
+              <a:t>vaãn</a:t>
+            </a:r>
+            <a:r>
+              <a:rPr lang="en-US" dirty="0">
+                <a:latin typeface="VNI-Times" pitchFamily="2" charset="0"/>
+              </a:rPr>
+              <a:t> </a:t>
+            </a:r>
+            <a:r>
+              <a:rPr lang="en-US" dirty="0" err="1">
+                <a:latin typeface="VNI-Times" pitchFamily="2" charset="0"/>
+              </a:rPr>
               <a:t>coøn</a:t>
             </a:r>
             <a:r>
-              <a:rPr lang="en-US" dirty="0"/>
+              <a:rPr lang="en-US" dirty="0">
+                <a:latin typeface="VNI-Times" pitchFamily="2" charset="0"/>
+              </a:rPr>
               <a:t> </a:t>
             </a:r>
             <a:r>
-              <a:rPr lang="en-US" dirty="0" err="1"/>
+              <a:rPr lang="en-US" dirty="0" err="1">
+                <a:latin typeface="VNI-Times" pitchFamily="2" charset="0"/>
+              </a:rPr>
               <a:t>yeâu</a:t>
             </a:r>
             <a:r>
-              <a:rPr lang="en-US" dirty="0"/>
+              <a:rPr lang="en-US" dirty="0">
+                <a:latin typeface="VNI-Times" pitchFamily="2" charset="0"/>
+              </a:rPr>
               <a:t>.</a:t>
             </a:r>
           </a:p>
@@ -7722,7 +7748,7 @@
           <a:p>
             <a:pPr algn="ctr"/>
             <a:r>
-              <a:rPr lang="en-US" sz="4000" b="1" spc="-150">
+              <a:rPr lang="en-US" sz="4000" b="1" spc="-150" dirty="0">
                 <a:ln w="11430"/>
                 <a:solidFill>
                   <a:schemeClr val="bg1"/>
@@ -7737,27 +7763,10 @@
                     </a:srgbClr>
                   </a:outerShdw>
                 </a:effectLst>
-                <a:latin typeface="HP-Bank" panose="020B0603050302020204" pitchFamily="34" charset="0"/>
+                <a:latin typeface="VNI-Times" pitchFamily="2" charset="0"/>
               </a:rPr>
               <a:t>TÌNH YEÂU LÔÙN LAO</a:t>
             </a:r>
-            <a:endParaRPr lang="en-US" sz="4000" b="1" spc="-150">
-              <a:ln w="11430"/>
-              <a:solidFill>
-                <a:schemeClr val="bg1"/>
-              </a:solidFill>
-              <a:effectLst>
-                <a:glow rad="127000">
-                  <a:prstClr val="black"/>
-                </a:glow>
-                <a:outerShdw blurRad="50800" dist="39000" dir="5460000" algn="tl">
-                  <a:srgbClr val="000000">
-                    <a:alpha val="38000"/>
-                  </a:srgbClr>
-                </a:outerShdw>
-              </a:effectLst>
-              <a:latin typeface="HP-Bank" panose="020B0603050302020204" pitchFamily="34" charset="0"/>
-            </a:endParaRPr>
           </a:p>
         </p:txBody>
       </p:sp>
@@ -7766,13 +7775,6 @@
   <p:clrMapOvr>
     <a:masterClrMapping/>
   </p:clrMapOvr>
-  <p:timing>
-    <p:tnLst>
-      <p:par>
-        <p:cTn id="1" dur="indefinite" restart="never" nodeType="tmRoot"/>
-      </p:par>
-    </p:tnLst>
-  </p:timing>
 </p:sld>
 </file>
 
@@ -7832,88 +7834,117 @@
           </a:lstStyle>
           <a:p>
             <a:r>
-              <a:rPr lang="en-US" dirty="0"/>
+              <a:rPr lang="en-US" dirty="0">
+                <a:latin typeface="VNI-Times" pitchFamily="2" charset="0"/>
+              </a:rPr>
               <a:t> </a:t>
             </a:r>
             <a:r>
-              <a:rPr lang="en-US" sz="4400" i="1" u="sng" dirty="0" err="1"/>
-              <a:t>ÑK</a:t>
-            </a:r>
-            <a:r>
-              <a:rPr lang="en-US" sz="4400" i="1" u="sng"/>
-              <a:t>: </a:t>
-            </a:r>
-            <a:r>
-              <a:rPr lang="en-US" dirty="0" smtClean="0"/>
+              <a:rPr lang="en-US" sz="4400" u="sng" dirty="0">
+                <a:latin typeface="VNI-Times" pitchFamily="2" charset="0"/>
+              </a:rPr>
+              <a:t>ÑK: </a:t>
+            </a:r>
+            <a:r>
+              <a:rPr lang="en-US" dirty="0">
+                <a:latin typeface="VNI-Times" pitchFamily="2" charset="0"/>
+              </a:rPr>
               <a:t> </a:t>
             </a:r>
             <a:r>
-              <a:rPr lang="en-US" smtClean="0"/>
-              <a:t>Lôùn </a:t>
-            </a:r>
-            <a:r>
-              <a:rPr lang="en-US" dirty="0" err="1"/>
-              <a:t>lao</a:t>
-            </a:r>
-            <a:r>
-              <a:rPr lang="en-US" dirty="0"/>
+              <a:rPr lang="en-US" dirty="0" err="1">
+                <a:latin typeface="VNI-Times" pitchFamily="2" charset="0"/>
+              </a:rPr>
+              <a:t>Lôùn</a:t>
+            </a:r>
+            <a:r>
+              <a:rPr lang="en-US" dirty="0">
+                <a:latin typeface="VNI-Times" pitchFamily="2" charset="0"/>
+              </a:rPr>
+              <a:t> lao </a:t>
+            </a:r>
+            <a:r>
+              <a:rPr lang="en-US" dirty="0" err="1">
+                <a:latin typeface="VNI-Times" pitchFamily="2" charset="0"/>
+              </a:rPr>
+              <a:t>voâ</a:t>
+            </a:r>
+            <a:r>
+              <a:rPr lang="en-US" dirty="0">
+                <a:latin typeface="VNI-Times" pitchFamily="2" charset="0"/>
+              </a:rPr>
               <a:t> </a:t>
             </a:r>
             <a:r>
-              <a:rPr lang="en-US" dirty="0" err="1"/>
-              <a:t>voâ</a:t>
-            </a:r>
-            <a:r>
-              <a:rPr lang="en-US" dirty="0"/>
+              <a:rPr lang="en-US" dirty="0" err="1">
+                <a:latin typeface="VNI-Times" pitchFamily="2" charset="0"/>
+              </a:rPr>
+              <a:t>cuøng</a:t>
+            </a:r>
+            <a:r>
+              <a:rPr lang="en-US" dirty="0">
+                <a:latin typeface="VNI-Times" pitchFamily="2" charset="0"/>
+              </a:rPr>
+              <a:t>, </a:t>
+            </a:r>
+            <a:br>
+              <a:rPr lang="en-US" dirty="0">
+                <a:latin typeface="VNI-Times" pitchFamily="2" charset="0"/>
+              </a:rPr>
+            </a:br>
+            <a:r>
+              <a:rPr lang="en-US" dirty="0" err="1">
+                <a:latin typeface="VNI-Times" pitchFamily="2" charset="0"/>
+              </a:rPr>
+              <a:t>lôùn</a:t>
+            </a:r>
+            <a:r>
+              <a:rPr lang="en-US" dirty="0">
+                <a:latin typeface="VNI-Times" pitchFamily="2" charset="0"/>
+              </a:rPr>
+              <a:t> lao </a:t>
+            </a:r>
+            <a:r>
+              <a:rPr lang="en-US" dirty="0" err="1">
+                <a:latin typeface="VNI-Times" pitchFamily="2" charset="0"/>
+              </a:rPr>
+              <a:t>thay</a:t>
+            </a:r>
+            <a:r>
+              <a:rPr lang="en-US" dirty="0">
+                <a:latin typeface="VNI-Times" pitchFamily="2" charset="0"/>
+              </a:rPr>
               <a:t> </a:t>
             </a:r>
-            <a:r>
-              <a:rPr lang="en-US" dirty="0" err="1"/>
-              <a:t>cuøng</a:t>
-            </a:r>
-            <a:r>
-              <a:rPr lang="en-US"/>
-              <a:t>, </a:t>
-            </a:r>
-            <a:r>
-              <a:rPr lang="en-US" smtClean="0"/>
-              <a:t/>
-            </a:r>
             <a:br>
-              <a:rPr lang="en-US" smtClean="0"/>
+              <a:rPr lang="en-US" dirty="0">
+                <a:latin typeface="VNI-Times" pitchFamily="2" charset="0"/>
+              </a:rPr>
             </a:br>
             <a:r>
-              <a:rPr lang="en-US" smtClean="0"/>
-              <a:t>lôùn </a:t>
-            </a:r>
-            <a:r>
-              <a:rPr lang="en-US" dirty="0" err="1"/>
-              <a:t>lao</a:t>
-            </a:r>
-            <a:r>
-              <a:rPr lang="en-US" dirty="0"/>
+              <a:rPr lang="en-US" dirty="0" err="1">
+                <a:latin typeface="VNI-Times" pitchFamily="2" charset="0"/>
+              </a:rPr>
+              <a:t>ôn</a:t>
+            </a:r>
+            <a:r>
+              <a:rPr lang="en-US" dirty="0">
+                <a:latin typeface="VNI-Times" pitchFamily="2" charset="0"/>
+              </a:rPr>
               <a:t> </a:t>
             </a:r>
             <a:r>
-              <a:rPr lang="en-US" err="1"/>
-              <a:t>thay</a:t>
-            </a:r>
-            <a:r>
-              <a:rPr lang="en-US"/>
-              <a:t> </a:t>
-            </a:r>
-            <a:br>
-              <a:rPr lang="en-US"/>
-            </a:br>
-            <a:r>
-              <a:rPr lang="en-US"/>
-              <a:t>ôn </a:t>
-            </a:r>
-            <a:r>
-              <a:rPr lang="en-US" smtClean="0"/>
-              <a:t>Ngaøi.</a:t>
-            </a:r>
-            <a:endParaRPr lang="en-US" dirty="0"/>
+              <a:rPr lang="en-US" dirty="0" err="1">
+                <a:latin typeface="VNI-Times" pitchFamily="2" charset="0"/>
+              </a:rPr>
+              <a:t>Ngaøi</a:t>
+            </a:r>
+            <a:r>
+              <a:rPr lang="en-US" dirty="0">
+                <a:latin typeface="VNI-Times" pitchFamily="2" charset="0"/>
+              </a:rPr>
+              <a:t>.</a:t>
+            </a:r>
           </a:p>
         </p:txBody>
       </p:sp>
@@ -7941,7 +7972,7 @@
           <a:p>
             <a:pPr algn="ctr"/>
             <a:r>
-              <a:rPr lang="en-US" sz="4000" b="1" spc="-150">
+              <a:rPr lang="en-US" sz="4000" b="1" spc="-150" dirty="0">
                 <a:ln w="11430"/>
                 <a:solidFill>
                   <a:schemeClr val="bg1"/>
@@ -7956,27 +7987,10 @@
                     </a:srgbClr>
                   </a:outerShdw>
                 </a:effectLst>
-                <a:latin typeface="HP-Bank" panose="020B0603050302020204" pitchFamily="34" charset="0"/>
+                <a:latin typeface="VNI-Times" pitchFamily="2" charset="0"/>
               </a:rPr>
               <a:t>TÌNH YEÂU LÔÙN LAO</a:t>
             </a:r>
-            <a:endParaRPr lang="en-US" sz="4000" b="1" spc="-150">
-              <a:ln w="11430"/>
-              <a:solidFill>
-                <a:schemeClr val="bg1"/>
-              </a:solidFill>
-              <a:effectLst>
-                <a:glow rad="127000">
-                  <a:prstClr val="black"/>
-                </a:glow>
-                <a:outerShdw blurRad="50800" dist="39000" dir="5460000" algn="tl">
-                  <a:srgbClr val="000000">
-                    <a:alpha val="38000"/>
-                  </a:srgbClr>
-                </a:outerShdw>
-              </a:effectLst>
-              <a:latin typeface="HP-Bank" panose="020B0603050302020204" pitchFamily="34" charset="0"/>
-            </a:endParaRPr>
           </a:p>
         </p:txBody>
       </p:sp>
@@ -7990,13 +8004,6 @@
   <p:clrMapOvr>
     <a:masterClrMapping/>
   </p:clrMapOvr>
-  <p:timing>
-    <p:tnLst>
-      <p:par>
-        <p:cTn id="1" dur="indefinite" restart="never" nodeType="tmRoot"/>
-      </p:par>
-    </p:tnLst>
-  </p:timing>
 </p:sld>
 </file>
 
@@ -8056,69 +8063,109 @@
           </a:lstStyle>
           <a:p>
             <a:r>
-              <a:rPr lang="en-US" dirty="0" err="1"/>
-              <a:t>Ñ</a:t>
-            </a:r>
-            <a:r>
-              <a:rPr lang="en-US"/>
-              <a:t>eán </a:t>
-            </a:r>
-            <a:r>
-              <a:rPr lang="en-US" dirty="0" err="1"/>
+              <a:rPr lang="en-US" dirty="0" err="1">
+                <a:latin typeface="VNI-Times" pitchFamily="2" charset="0"/>
+              </a:rPr>
+              <a:t>Ñeán</a:t>
+            </a:r>
+            <a:r>
+              <a:rPr lang="en-US" dirty="0">
+                <a:latin typeface="VNI-Times" pitchFamily="2" charset="0"/>
+              </a:rPr>
+              <a:t> </a:t>
+            </a:r>
+            <a:r>
+              <a:rPr lang="en-US" dirty="0" err="1">
+                <a:latin typeface="VNI-Times" pitchFamily="2" charset="0"/>
+              </a:rPr>
               <a:t>muoân</a:t>
             </a:r>
             <a:r>
-              <a:rPr lang="en-US" dirty="0"/>
+              <a:rPr lang="en-US" dirty="0">
+                <a:latin typeface="VNI-Times" pitchFamily="2" charset="0"/>
+              </a:rPr>
               <a:t> </a:t>
             </a:r>
             <a:r>
-              <a:rPr lang="en-US" err="1"/>
+              <a:rPr lang="en-US" dirty="0" err="1">
+                <a:latin typeface="VNI-Times" pitchFamily="2" charset="0"/>
+              </a:rPr>
               <a:t>muoân</a:t>
             </a:r>
             <a:r>
-              <a:rPr lang="en-US"/>
+              <a:rPr lang="en-US" dirty="0">
+                <a:latin typeface="VNI-Times" pitchFamily="2" charset="0"/>
+              </a:rPr>
               <a:t> </a:t>
             </a:r>
-            <a:r>
-              <a:rPr lang="en-US" smtClean="0"/>
-              <a:t/>
-            </a:r>
             <a:br>
-              <a:rPr lang="en-US" smtClean="0"/>
+              <a:rPr lang="en-US" dirty="0">
+                <a:latin typeface="VNI-Times" pitchFamily="2" charset="0"/>
+              </a:rPr>
             </a:br>
             <a:r>
-              <a:rPr lang="en-US" smtClean="0"/>
-              <a:t>ñôøi </a:t>
-            </a:r>
-            <a:r>
-              <a:rPr lang="en-US" dirty="0" err="1"/>
+              <a:rPr lang="en-US" dirty="0" err="1">
+                <a:latin typeface="VNI-Times" pitchFamily="2" charset="0"/>
+              </a:rPr>
+              <a:t>ñôøi</a:t>
+            </a:r>
+            <a:r>
+              <a:rPr lang="en-US" dirty="0">
+                <a:latin typeface="VNI-Times" pitchFamily="2" charset="0"/>
+              </a:rPr>
+              <a:t> </a:t>
+            </a:r>
+            <a:r>
+              <a:rPr lang="en-US" dirty="0" err="1">
+                <a:latin typeface="VNI-Times" pitchFamily="2" charset="0"/>
+              </a:rPr>
               <a:t>Chuùa</a:t>
             </a:r>
             <a:r>
-              <a:rPr lang="en-US" dirty="0"/>
+              <a:rPr lang="en-US" dirty="0">
+                <a:latin typeface="VNI-Times" pitchFamily="2" charset="0"/>
+              </a:rPr>
               <a:t> </a:t>
             </a:r>
             <a:r>
-              <a:rPr lang="en-US" err="1"/>
+              <a:rPr lang="en-US" dirty="0" err="1">
+                <a:latin typeface="VNI-Times" pitchFamily="2" charset="0"/>
+              </a:rPr>
               <a:t>luoân</a:t>
             </a:r>
             <a:r>
-              <a:rPr lang="en-US"/>
+              <a:rPr lang="en-US" dirty="0">
+                <a:latin typeface="VNI-Times" pitchFamily="2" charset="0"/>
+              </a:rPr>
               <a:t> </a:t>
             </a:r>
             <a:br>
-              <a:rPr lang="en-US"/>
+              <a:rPr lang="en-US" dirty="0">
+                <a:latin typeface="VNI-Times" pitchFamily="2" charset="0"/>
+              </a:rPr>
             </a:br>
             <a:r>
-              <a:rPr lang="en-US"/>
-              <a:t>tuyeät </a:t>
-            </a:r>
-            <a:r>
-              <a:rPr lang="en-US" dirty="0" err="1"/>
+              <a:rPr lang="en-US" dirty="0" err="1">
+                <a:latin typeface="VNI-Times" pitchFamily="2" charset="0"/>
+              </a:rPr>
+              <a:t>tuyeät</a:t>
+            </a:r>
+            <a:r>
+              <a:rPr lang="en-US" dirty="0">
+                <a:latin typeface="VNI-Times" pitchFamily="2" charset="0"/>
+              </a:rPr>
+              <a:t> </a:t>
+            </a:r>
+            <a:r>
+              <a:rPr lang="en-US" dirty="0" err="1">
+                <a:latin typeface="VNI-Times" pitchFamily="2" charset="0"/>
+              </a:rPr>
               <a:t>vôøi</a:t>
             </a:r>
             <a:r>
-              <a:rPr lang="en-US" dirty="0"/>
+              <a:rPr lang="en-US" dirty="0">
+                <a:latin typeface="VNI-Times" pitchFamily="2" charset="0"/>
+              </a:rPr>
               <a:t>. </a:t>
             </a:r>
           </a:p>
@@ -8148,7 +8195,7 @@
           <a:p>
             <a:pPr algn="ctr"/>
             <a:r>
-              <a:rPr lang="en-US" sz="4000" b="1" spc="-150">
+              <a:rPr lang="en-US" sz="4000" b="1" spc="-150" dirty="0">
                 <a:ln w="11430"/>
                 <a:solidFill>
                   <a:schemeClr val="bg1"/>
@@ -8163,27 +8210,10 @@
                     </a:srgbClr>
                   </a:outerShdw>
                 </a:effectLst>
-                <a:latin typeface="HP-Bank" panose="020B0603050302020204" pitchFamily="34" charset="0"/>
+                <a:latin typeface="VNI-Times" pitchFamily="2" charset="0"/>
               </a:rPr>
               <a:t>TÌNH YEÂU LÔÙN LAO</a:t>
             </a:r>
-            <a:endParaRPr lang="en-US" sz="4000" b="1" spc="-150">
-              <a:ln w="11430"/>
-              <a:solidFill>
-                <a:schemeClr val="bg1"/>
-              </a:solidFill>
-              <a:effectLst>
-                <a:glow rad="127000">
-                  <a:prstClr val="black"/>
-                </a:glow>
-                <a:outerShdw blurRad="50800" dist="39000" dir="5460000" algn="tl">
-                  <a:srgbClr val="000000">
-                    <a:alpha val="38000"/>
-                  </a:srgbClr>
-                </a:outerShdw>
-              </a:effectLst>
-              <a:latin typeface="HP-Bank" panose="020B0603050302020204" pitchFamily="34" charset="0"/>
-            </a:endParaRPr>
           </a:p>
         </p:txBody>
       </p:sp>
@@ -8197,13 +8227,6 @@
   <p:clrMapOvr>
     <a:masterClrMapping/>
   </p:clrMapOvr>
-  <p:timing>
-    <p:tnLst>
-      <p:par>
-        <p:cTn id="1" dur="indefinite" restart="never" nodeType="tmRoot"/>
-      </p:par>
-    </p:tnLst>
-  </p:timing>
 </p:sld>
 </file>
 
@@ -8263,76 +8286,99 @@
           </a:lstStyle>
           <a:p>
             <a:r>
-              <a:rPr lang="en-US" dirty="0" err="1"/>
+              <a:rPr lang="en-US" dirty="0" err="1">
+                <a:latin typeface="VNI-Times" pitchFamily="2" charset="0"/>
+              </a:rPr>
               <a:t>Lôùn</a:t>
             </a:r>
             <a:r>
-              <a:rPr lang="en-US" dirty="0"/>
+              <a:rPr lang="en-US" dirty="0">
+                <a:latin typeface="VNI-Times" pitchFamily="2" charset="0"/>
+              </a:rPr>
+              <a:t> lao </a:t>
+            </a:r>
+            <a:r>
+              <a:rPr lang="en-US" dirty="0" err="1">
+                <a:latin typeface="VNI-Times" pitchFamily="2" charset="0"/>
+              </a:rPr>
+              <a:t>voâ</a:t>
+            </a:r>
+            <a:r>
+              <a:rPr lang="en-US" dirty="0">
+                <a:latin typeface="VNI-Times" pitchFamily="2" charset="0"/>
+              </a:rPr>
               <a:t> </a:t>
             </a:r>
             <a:r>
-              <a:rPr lang="en-US" dirty="0" err="1"/>
-              <a:t>lao</a:t>
-            </a:r>
-            <a:r>
-              <a:rPr lang="en-US" dirty="0"/>
+              <a:rPr lang="en-US" dirty="0" err="1">
+                <a:latin typeface="VNI-Times" pitchFamily="2" charset="0"/>
+              </a:rPr>
+              <a:t>cuøng</a:t>
+            </a:r>
+            <a:r>
+              <a:rPr lang="en-US" dirty="0">
+                <a:latin typeface="VNI-Times" pitchFamily="2" charset="0"/>
+              </a:rPr>
+              <a:t>, </a:t>
+            </a:r>
+            <a:br>
+              <a:rPr lang="en-US" dirty="0">
+                <a:latin typeface="VNI-Times" pitchFamily="2" charset="0"/>
+              </a:rPr>
+            </a:br>
+            <a:r>
+              <a:rPr lang="en-US" dirty="0" err="1">
+                <a:latin typeface="VNI-Times" pitchFamily="2" charset="0"/>
+              </a:rPr>
+              <a:t>lôùn</a:t>
+            </a:r>
+            <a:r>
+              <a:rPr lang="en-US" dirty="0">
+                <a:latin typeface="VNI-Times" pitchFamily="2" charset="0"/>
+              </a:rPr>
+              <a:t> lao </a:t>
+            </a:r>
+            <a:r>
+              <a:rPr lang="en-US" dirty="0" err="1">
+                <a:latin typeface="VNI-Times" pitchFamily="2" charset="0"/>
+              </a:rPr>
+              <a:t>thay</a:t>
+            </a:r>
+            <a:r>
+              <a:rPr lang="en-US" dirty="0">
+                <a:latin typeface="VNI-Times" pitchFamily="2" charset="0"/>
+              </a:rPr>
               <a:t> </a:t>
             </a:r>
-            <a:r>
-              <a:rPr lang="en-US" dirty="0" err="1"/>
-              <a:t>voâ</a:t>
-            </a:r>
-            <a:r>
-              <a:rPr lang="en-US" dirty="0"/>
+            <a:br>
+              <a:rPr lang="en-US" dirty="0">
+                <a:latin typeface="VNI-Times" pitchFamily="2" charset="0"/>
+              </a:rPr>
+            </a:br>
+            <a:r>
+              <a:rPr lang="en-US" dirty="0" err="1">
+                <a:latin typeface="VNI-Times" pitchFamily="2" charset="0"/>
+              </a:rPr>
+              <a:t>ôn</a:t>
+            </a:r>
+            <a:r>
+              <a:rPr lang="en-US" dirty="0">
+                <a:latin typeface="VNI-Times" pitchFamily="2" charset="0"/>
+              </a:rPr>
               <a:t> </a:t>
             </a:r>
             <a:r>
-              <a:rPr lang="en-US" dirty="0" err="1"/>
-              <a:t>cuøng</a:t>
-            </a:r>
-            <a:r>
-              <a:rPr lang="en-US"/>
-              <a:t>, </a:t>
-            </a:r>
-            <a:r>
-              <a:rPr lang="en-US" smtClean="0"/>
-              <a:t/>
-            </a:r>
-            <a:br>
-              <a:rPr lang="en-US" smtClean="0"/>
-            </a:br>
-            <a:r>
-              <a:rPr lang="en-US" smtClean="0"/>
-              <a:t>lôùn </a:t>
-            </a:r>
-            <a:r>
-              <a:rPr lang="en-US" dirty="0" err="1"/>
-              <a:t>lao</a:t>
-            </a:r>
-            <a:r>
-              <a:rPr lang="en-US" dirty="0"/>
-              <a:t> </a:t>
-            </a:r>
-            <a:r>
-              <a:rPr lang="en-US" err="1"/>
-              <a:t>thay</a:t>
-            </a:r>
-            <a:r>
-              <a:rPr lang="en-US"/>
-              <a:t> </a:t>
-            </a:r>
-            <a:br>
-              <a:rPr lang="en-US"/>
-            </a:br>
-            <a:r>
-              <a:rPr lang="en-US"/>
-              <a:t>ôn </a:t>
-            </a:r>
-            <a:r>
-              <a:rPr lang="en-US" smtClean="0"/>
-              <a:t>Ngaøi.</a:t>
-            </a:r>
-            <a:endParaRPr lang="en-US" dirty="0"/>
+              <a:rPr lang="en-US" dirty="0" err="1">
+                <a:latin typeface="VNI-Times" pitchFamily="2" charset="0"/>
+              </a:rPr>
+              <a:t>Ngaøi</a:t>
+            </a:r>
+            <a:r>
+              <a:rPr lang="en-US" dirty="0">
+                <a:latin typeface="VNI-Times" pitchFamily="2" charset="0"/>
+              </a:rPr>
+              <a:t>.</a:t>
+            </a:r>
           </a:p>
         </p:txBody>
       </p:sp>
@@ -8360,7 +8406,7 @@
           <a:p>
             <a:pPr algn="ctr"/>
             <a:r>
-              <a:rPr lang="en-US" sz="4000" b="1" spc="-150">
+              <a:rPr lang="en-US" sz="4000" b="1" spc="-150" dirty="0">
                 <a:ln w="11430"/>
                 <a:solidFill>
                   <a:schemeClr val="bg1"/>
@@ -8375,27 +8421,10 @@
                     </a:srgbClr>
                   </a:outerShdw>
                 </a:effectLst>
-                <a:latin typeface="HP-Bank" panose="020B0603050302020204" pitchFamily="34" charset="0"/>
+                <a:latin typeface="VNI-Times" pitchFamily="2" charset="0"/>
               </a:rPr>
               <a:t>TÌNH YEÂU LÔÙN LAO</a:t>
             </a:r>
-            <a:endParaRPr lang="en-US" sz="4000" b="1" spc="-150">
-              <a:ln w="11430"/>
-              <a:solidFill>
-                <a:schemeClr val="bg1"/>
-              </a:solidFill>
-              <a:effectLst>
-                <a:glow rad="127000">
-                  <a:prstClr val="black"/>
-                </a:glow>
-                <a:outerShdw blurRad="50800" dist="39000" dir="5460000" algn="tl">
-                  <a:srgbClr val="000000">
-                    <a:alpha val="38000"/>
-                  </a:srgbClr>
-                </a:outerShdw>
-              </a:effectLst>
-              <a:latin typeface="HP-Bank" panose="020B0603050302020204" pitchFamily="34" charset="0"/>
-            </a:endParaRPr>
           </a:p>
         </p:txBody>
       </p:sp>
@@ -8409,13 +8438,6 @@
   <p:clrMapOvr>
     <a:masterClrMapping/>
   </p:clrMapOvr>
-  <p:timing>
-    <p:tnLst>
-      <p:par>
-        <p:cTn id="1" dur="indefinite" restart="never" nodeType="tmRoot"/>
-      </p:par>
-    </p:tnLst>
-  </p:timing>
 </p:sld>
 </file>
 
@@ -8475,68 +8497,117 @@
           </a:lstStyle>
           <a:p>
             <a:r>
-              <a:rPr lang="en-US"/>
-              <a:t> Ñeán </a:t>
-            </a:r>
-            <a:r>
-              <a:rPr lang="en-US" dirty="0" err="1"/>
+              <a:rPr lang="en-US" dirty="0">
+                <a:latin typeface="VNI-Times" pitchFamily="2" charset="0"/>
+              </a:rPr>
+              <a:t> </a:t>
+            </a:r>
+            <a:r>
+              <a:rPr lang="en-US" dirty="0" err="1">
+                <a:latin typeface="VNI-Times" pitchFamily="2" charset="0"/>
+              </a:rPr>
+              <a:t>Ñeán</a:t>
+            </a:r>
+            <a:r>
+              <a:rPr lang="en-US" dirty="0">
+                <a:latin typeface="VNI-Times" pitchFamily="2" charset="0"/>
+              </a:rPr>
+              <a:t> </a:t>
+            </a:r>
+            <a:r>
+              <a:rPr lang="en-US" dirty="0" err="1">
+                <a:latin typeface="VNI-Times" pitchFamily="2" charset="0"/>
+              </a:rPr>
               <a:t>muoân</a:t>
             </a:r>
             <a:r>
-              <a:rPr lang="en-US" dirty="0"/>
+              <a:rPr lang="en-US" dirty="0">
+                <a:latin typeface="VNI-Times" pitchFamily="2" charset="0"/>
+              </a:rPr>
               <a:t> </a:t>
             </a:r>
             <a:r>
-              <a:rPr lang="en-US" err="1"/>
+              <a:rPr lang="en-US" dirty="0" err="1">
+                <a:latin typeface="VNI-Times" pitchFamily="2" charset="0"/>
+              </a:rPr>
               <a:t>muoân</a:t>
             </a:r>
             <a:r>
-              <a:rPr lang="en-US"/>
+              <a:rPr lang="en-US" dirty="0">
+                <a:latin typeface="VNI-Times" pitchFamily="2" charset="0"/>
+              </a:rPr>
               <a:t> </a:t>
             </a:r>
-            <a:r>
-              <a:rPr lang="en-US" smtClean="0"/>
-              <a:t/>
-            </a:r>
             <a:br>
-              <a:rPr lang="en-US" smtClean="0"/>
+              <a:rPr lang="en-US" dirty="0">
+                <a:latin typeface="VNI-Times" pitchFamily="2" charset="0"/>
+              </a:rPr>
             </a:br>
             <a:r>
-              <a:rPr lang="en-US" smtClean="0"/>
-              <a:t>ñôøi </a:t>
-            </a:r>
-            <a:r>
-              <a:rPr lang="en-US" dirty="0" err="1"/>
+              <a:rPr lang="en-US" dirty="0" err="1">
+                <a:latin typeface="VNI-Times" pitchFamily="2" charset="0"/>
+              </a:rPr>
+              <a:t>ñôøi</a:t>
+            </a:r>
+            <a:r>
+              <a:rPr lang="en-US" dirty="0">
+                <a:latin typeface="VNI-Times" pitchFamily="2" charset="0"/>
+              </a:rPr>
+              <a:t> </a:t>
+            </a:r>
+            <a:r>
+              <a:rPr lang="en-US" dirty="0" err="1">
+                <a:latin typeface="VNI-Times" pitchFamily="2" charset="0"/>
+              </a:rPr>
               <a:t>Chuùa</a:t>
             </a:r>
             <a:r>
-              <a:rPr lang="en-US" dirty="0"/>
+              <a:rPr lang="en-US" dirty="0">
+                <a:latin typeface="VNI-Times" pitchFamily="2" charset="0"/>
+              </a:rPr>
               <a:t> </a:t>
             </a:r>
             <a:r>
-              <a:rPr lang="en-US" err="1"/>
+              <a:rPr lang="en-US" dirty="0" err="1">
+                <a:latin typeface="VNI-Times" pitchFamily="2" charset="0"/>
+              </a:rPr>
               <a:t>laø</a:t>
             </a:r>
             <a:r>
-              <a:rPr lang="en-US"/>
+              <a:rPr lang="en-US" dirty="0">
+                <a:latin typeface="VNI-Times" pitchFamily="2" charset="0"/>
+              </a:rPr>
               <a:t> </a:t>
             </a:r>
             <a:br>
-              <a:rPr lang="en-US"/>
+              <a:rPr lang="en-US" dirty="0">
+                <a:latin typeface="VNI-Times" pitchFamily="2" charset="0"/>
+              </a:rPr>
             </a:br>
             <a:r>
-              <a:rPr lang="en-US"/>
-              <a:t>yeâu </a:t>
-            </a:r>
-            <a:r>
-              <a:rPr lang="en-US" err="1"/>
+              <a:rPr lang="en-US" dirty="0" err="1">
+                <a:latin typeface="VNI-Times" pitchFamily="2" charset="0"/>
+              </a:rPr>
+              <a:t>yeâu</a:t>
+            </a:r>
+            <a:r>
+              <a:rPr lang="en-US" dirty="0">
+                <a:latin typeface="VNI-Times" pitchFamily="2" charset="0"/>
+              </a:rPr>
+              <a:t> </a:t>
+            </a:r>
+            <a:r>
+              <a:rPr lang="en-US" dirty="0" err="1">
+                <a:latin typeface="VNI-Times" pitchFamily="2" charset="0"/>
+              </a:rPr>
               <a:t>thöông</a:t>
             </a:r>
             <a:r>
-              <a:rPr lang="en-US"/>
+              <a:rPr lang="en-US" dirty="0">
+                <a:latin typeface="VNI-Times" pitchFamily="2" charset="0"/>
+              </a:rPr>
               <a:t>.</a:t>
             </a:r>
-            <a:endParaRPr lang="en-US" dirty="0"/>
           </a:p>
         </p:txBody>
       </p:sp>
@@ -8564,7 +8635,7 @@
           <a:p>
             <a:pPr algn="ctr"/>
             <a:r>
-              <a:rPr lang="en-US" sz="4000" b="1" spc="-150">
+              <a:rPr lang="en-US" sz="4000" b="1" spc="-150" dirty="0">
                 <a:ln w="11430"/>
                 <a:solidFill>
                   <a:schemeClr val="bg1"/>
@@ -8579,27 +8650,10 @@
                     </a:srgbClr>
                   </a:outerShdw>
                 </a:effectLst>
-                <a:latin typeface="HP-Bank" panose="020B0603050302020204" pitchFamily="34" charset="0"/>
+                <a:latin typeface="VNI-Times" pitchFamily="2" charset="0"/>
               </a:rPr>
               <a:t>TÌNH YEÂU LÔÙN LAO</a:t>
             </a:r>
-            <a:endParaRPr lang="en-US" sz="4000" b="1" spc="-150">
-              <a:ln w="11430"/>
-              <a:solidFill>
-                <a:schemeClr val="bg1"/>
-              </a:solidFill>
-              <a:effectLst>
-                <a:glow rad="127000">
-                  <a:prstClr val="black"/>
-                </a:glow>
-                <a:outerShdw blurRad="50800" dist="39000" dir="5460000" algn="tl">
-                  <a:srgbClr val="000000">
-                    <a:alpha val="38000"/>
-                  </a:srgbClr>
-                </a:outerShdw>
-              </a:effectLst>
-              <a:latin typeface="HP-Bank" panose="020B0603050302020204" pitchFamily="34" charset="0"/>
-            </a:endParaRPr>
           </a:p>
         </p:txBody>
       </p:sp>
@@ -8613,13 +8667,6 @@
   <p:clrMapOvr>
     <a:masterClrMapping/>
   </p:clrMapOvr>
-  <p:timing>
-    <p:tnLst>
-      <p:par>
-        <p:cTn id="1" dur="indefinite" restart="never" nodeType="tmRoot"/>
-      </p:par>
-    </p:tnLst>
-  </p:timing>
 </p:sld>
 </file>
 
@@ -8664,7 +8711,7 @@
           <a:p>
             <a:pPr algn="ctr"/>
             <a:r>
-              <a:rPr lang="en-US" sz="5400" b="1" i="1" smtClean="0">
+              <a:rPr lang="en-US" sz="5400" b="1" dirty="0">
                 <a:effectLst>
                   <a:glow rad="101600">
                     <a:schemeClr val="bg1">
@@ -8672,12 +8719,12 @@
                     </a:schemeClr>
                   </a:glow>
                 </a:effectLst>
-                <a:latin typeface="VNI-Aptima" pitchFamily="2" charset="0"/>
+                <a:latin typeface="VNI-Times" pitchFamily="2" charset="0"/>
               </a:rPr>
               <a:t> </a:t>
             </a:r>
             <a:r>
-              <a:rPr lang="en-US" sz="4400" b="1" smtClean="0">
+              <a:rPr lang="en-US" sz="4400" b="1" dirty="0">
                 <a:effectLst>
                   <a:glow rad="101600">
                     <a:schemeClr val="bg1">
@@ -8685,12 +8732,12 @@
                     </a:schemeClr>
                   </a:glow>
                 </a:effectLst>
-                <a:latin typeface="VNI-Aptima" pitchFamily="2" charset="0"/>
+                <a:latin typeface="VNI-Times" pitchFamily="2" charset="0"/>
               </a:rPr>
               <a:t>1.</a:t>
             </a:r>
             <a:r>
-              <a:rPr lang="en-US" sz="5400" b="1" i="1" smtClean="0">
+              <a:rPr lang="en-US" sz="5400" b="1" dirty="0">
                 <a:effectLst>
                   <a:glow rad="101600">
                     <a:schemeClr val="bg1">
@@ -8698,12 +8745,12 @@
                     </a:schemeClr>
                   </a:glow>
                 </a:effectLst>
-                <a:latin typeface="VNI-Aptima" pitchFamily="2" charset="0"/>
+                <a:latin typeface="VNI-Times" pitchFamily="2" charset="0"/>
               </a:rPr>
               <a:t> </a:t>
             </a:r>
             <a:r>
-              <a:rPr lang="en-US" sz="6600" b="1" smtClean="0">
+              <a:rPr lang="en-US" sz="6600" b="1" dirty="0" err="1">
                 <a:effectLst>
                   <a:glow rad="101600">
                     <a:schemeClr val="bg1">
@@ -8711,12 +8758,12 @@
                     </a:schemeClr>
                   </a:glow>
                 </a:effectLst>
-                <a:latin typeface="VNI-Aptima" pitchFamily="2" charset="0"/>
-              </a:rPr>
-              <a:t>Tình </a:t>
-            </a:r>
-            <a:r>
-              <a:rPr lang="en-US" sz="6600" b="1" dirty="0" err="1" smtClean="0">
+                <a:latin typeface="VNI-Times" pitchFamily="2" charset="0"/>
+              </a:rPr>
+              <a:t>Tình</a:t>
+            </a:r>
+            <a:r>
+              <a:rPr lang="en-US" sz="6600" b="1" dirty="0">
                 <a:effectLst>
                   <a:glow rad="101600">
                     <a:schemeClr val="bg1">
@@ -8724,12 +8771,12 @@
                     </a:schemeClr>
                   </a:glow>
                 </a:effectLst>
-                <a:latin typeface="VNI-Aptima" pitchFamily="2" charset="0"/>
-              </a:rPr>
-              <a:t>yeâu</a:t>
-            </a:r>
-            <a:r>
-              <a:rPr lang="en-US" sz="6600" b="1" dirty="0" smtClean="0">
+                <a:latin typeface="VNI-Times" pitchFamily="2" charset="0"/>
+              </a:rPr>
+              <a:t> </a:t>
+            </a:r>
+            <a:r>
+              <a:rPr lang="en-US" sz="6600" b="1" dirty="0" err="1">
                 <a:effectLst>
                   <a:glow rad="101600">
                     <a:schemeClr val="bg1">
@@ -8737,12 +8784,12 @@
                     </a:schemeClr>
                   </a:glow>
                 </a:effectLst>
-                <a:latin typeface="VNI-Aptima" pitchFamily="2" charset="0"/>
-              </a:rPr>
-              <a:t> </a:t>
-            </a:r>
-            <a:r>
-              <a:rPr lang="en-US" sz="6600" b="1" err="1" smtClean="0">
+                <a:latin typeface="VNI-Times" pitchFamily="2" charset="0"/>
+              </a:rPr>
+              <a:t>yeâu</a:t>
+            </a:r>
+            <a:r>
+              <a:rPr lang="en-US" sz="6600" b="1" dirty="0">
                 <a:effectLst>
                   <a:glow rad="101600">
                     <a:schemeClr val="bg1">
@@ -8750,12 +8797,12 @@
                     </a:schemeClr>
                   </a:glow>
                 </a:effectLst>
-                <a:latin typeface="VNI-Aptima" pitchFamily="2" charset="0"/>
-              </a:rPr>
-              <a:t>Ngaøi</a:t>
-            </a:r>
-            <a:r>
-              <a:rPr lang="en-US" sz="6600" b="1" smtClean="0">
+                <a:latin typeface="VNI-Times" pitchFamily="2" charset="0"/>
+              </a:rPr>
+              <a:t> </a:t>
+            </a:r>
+            <a:r>
+              <a:rPr lang="en-US" sz="6600" b="1" dirty="0" err="1">
                 <a:effectLst>
                   <a:glow rad="101600">
                     <a:schemeClr val="bg1">
@@ -8763,12 +8810,12 @@
                     </a:schemeClr>
                   </a:glow>
                 </a:effectLst>
-                <a:latin typeface="VNI-Aptima" pitchFamily="2" charset="0"/>
-              </a:rPr>
-              <a:t> </a:t>
-            </a:r>
-            <a:r>
-              <a:rPr lang="en-US" sz="6600" b="1" smtClean="0">
+                <a:latin typeface="VNI-Times" pitchFamily="2" charset="0"/>
+              </a:rPr>
+              <a:t>Ngaøi</a:t>
+            </a:r>
+            <a:r>
+              <a:rPr lang="en-US" sz="6600" b="1" dirty="0">
                 <a:effectLst>
                   <a:glow rad="101600">
                     <a:schemeClr val="bg1">
@@ -8776,12 +8823,12 @@
                     </a:schemeClr>
                   </a:glow>
                 </a:effectLst>
-                <a:latin typeface="VNI-Aptima" pitchFamily="2" charset="0"/>
-              </a:rPr>
-              <a:t/>
+                <a:latin typeface="VNI-Times" pitchFamily="2" charset="0"/>
+              </a:rPr>
+              <a:t> </a:t>
             </a:r>
             <a:br>
-              <a:rPr lang="en-US" sz="6600" b="1" smtClean="0">
+              <a:rPr lang="en-US" sz="6600" b="1" dirty="0">
                 <a:effectLst>
                   <a:glow rad="101600">
                     <a:schemeClr val="bg1">
@@ -8789,11 +8836,11 @@
                     </a:schemeClr>
                   </a:glow>
                 </a:effectLst>
-                <a:latin typeface="VNI-Aptima" pitchFamily="2" charset="0"/>
+                <a:latin typeface="VNI-Times" pitchFamily="2" charset="0"/>
               </a:rPr>
             </a:br>
             <a:r>
-              <a:rPr lang="en-US" sz="6600" b="1" smtClean="0">
+              <a:rPr lang="en-US" sz="6600" b="1" dirty="0" err="1">
                 <a:effectLst>
                   <a:glow rad="101600">
                     <a:schemeClr val="bg1">
@@ -8801,12 +8848,12 @@
                     </a:schemeClr>
                   </a:glow>
                 </a:effectLst>
-                <a:latin typeface="VNI-Aptima" pitchFamily="2" charset="0"/>
-              </a:rPr>
-              <a:t>thaät </a:t>
-            </a:r>
-            <a:r>
-              <a:rPr lang="en-US" sz="6600" b="1" dirty="0" err="1" smtClean="0">
+                <a:latin typeface="VNI-Times" pitchFamily="2" charset="0"/>
+              </a:rPr>
+              <a:t>thaät</a:t>
+            </a:r>
+            <a:r>
+              <a:rPr lang="en-US" sz="6600" b="1" dirty="0">
                 <a:effectLst>
                   <a:glow rad="101600">
                     <a:schemeClr val="bg1">
@@ -8814,12 +8861,12 @@
                     </a:schemeClr>
                   </a:glow>
                 </a:effectLst>
-                <a:latin typeface="VNI-Aptima" pitchFamily="2" charset="0"/>
-              </a:rPr>
-              <a:t>cao</a:t>
-            </a:r>
-            <a:r>
-              <a:rPr lang="en-US" sz="6600" b="1" dirty="0" smtClean="0">
+                <a:latin typeface="VNI-Times" pitchFamily="2" charset="0"/>
+              </a:rPr>
+              <a:t> </a:t>
+            </a:r>
+            <a:r>
+              <a:rPr lang="en-US" sz="6600" b="1" dirty="0" err="1">
                 <a:effectLst>
                   <a:glow rad="101600">
                     <a:schemeClr val="bg1">
@@ -8827,12 +8874,12 @@
                     </a:schemeClr>
                   </a:glow>
                 </a:effectLst>
-                <a:latin typeface="VNI-Aptima" pitchFamily="2" charset="0"/>
-              </a:rPr>
-              <a:t>, </a:t>
-            </a:r>
-            <a:r>
-              <a:rPr lang="en-US" sz="6600" b="1" dirty="0" err="1" smtClean="0">
+                <a:latin typeface="VNI-Times" pitchFamily="2" charset="0"/>
+              </a:rPr>
+              <a:t>cao</a:t>
+            </a:r>
+            <a:r>
+              <a:rPr lang="en-US" sz="6600" b="1" dirty="0">
                 <a:effectLst>
                   <a:glow rad="101600">
                     <a:schemeClr val="bg1">
@@ -8840,12 +8887,12 @@
                     </a:schemeClr>
                   </a:glow>
                 </a:effectLst>
-                <a:latin typeface="VNI-Aptima" pitchFamily="2" charset="0"/>
-              </a:rPr>
-              <a:t>cao</a:t>
-            </a:r>
-            <a:r>
-              <a:rPr lang="en-US" sz="6600" b="1" dirty="0" smtClean="0">
+                <a:latin typeface="VNI-Times" pitchFamily="2" charset="0"/>
+              </a:rPr>
+              <a:t>, </a:t>
+            </a:r>
+            <a:r>
+              <a:rPr lang="en-US" sz="6600" b="1" dirty="0" err="1">
                 <a:effectLst>
                   <a:glow rad="101600">
                     <a:schemeClr val="bg1">
@@ -8853,12 +8900,12 @@
                     </a:schemeClr>
                   </a:glow>
                 </a:effectLst>
-                <a:latin typeface="VNI-Aptima" pitchFamily="2" charset="0"/>
-              </a:rPr>
-              <a:t> </a:t>
-            </a:r>
-            <a:r>
-              <a:rPr lang="en-US" sz="6600" b="1" err="1" smtClean="0">
+                <a:latin typeface="VNI-Times" pitchFamily="2" charset="0"/>
+              </a:rPr>
+              <a:t>cao</a:t>
+            </a:r>
+            <a:r>
+              <a:rPr lang="en-US" sz="6600" b="1" dirty="0">
                 <a:effectLst>
                   <a:glow rad="101600">
                     <a:schemeClr val="bg1">
@@ -8866,12 +8913,12 @@
                     </a:schemeClr>
                   </a:glow>
                 </a:effectLst>
-                <a:latin typeface="VNI-Aptima" pitchFamily="2" charset="0"/>
-              </a:rPr>
-              <a:t>vuùt</a:t>
-            </a:r>
-            <a:r>
-              <a:rPr lang="en-US" sz="6600" b="1" smtClean="0">
+                <a:latin typeface="VNI-Times" pitchFamily="2" charset="0"/>
+              </a:rPr>
+              <a:t> </a:t>
+            </a:r>
+            <a:r>
+              <a:rPr lang="en-US" sz="6600" b="1" dirty="0" err="1">
                 <a:effectLst>
                   <a:glow rad="101600">
                     <a:schemeClr val="bg1">
@@ -8879,12 +8926,12 @@
                     </a:schemeClr>
                   </a:glow>
                 </a:effectLst>
-                <a:latin typeface="VNI-Aptima" pitchFamily="2" charset="0"/>
-              </a:rPr>
-              <a:t> </a:t>
-            </a:r>
-            <a:r>
-              <a:rPr lang="en-US" sz="6600" b="1" smtClean="0">
+                <a:latin typeface="VNI-Times" pitchFamily="2" charset="0"/>
+              </a:rPr>
+              <a:t>vuùt</a:t>
+            </a:r>
+            <a:r>
+              <a:rPr lang="en-US" sz="6600" b="1" dirty="0">
                 <a:effectLst>
                   <a:glow rad="101600">
                     <a:schemeClr val="bg1">
@@ -8892,12 +8939,12 @@
                     </a:schemeClr>
                   </a:glow>
                 </a:effectLst>
-                <a:latin typeface="VNI-Aptima" pitchFamily="2" charset="0"/>
-              </a:rPr>
-              <a:t/>
+                <a:latin typeface="VNI-Times" pitchFamily="2" charset="0"/>
+              </a:rPr>
+              <a:t> </a:t>
             </a:r>
             <a:br>
-              <a:rPr lang="en-US" sz="6600" b="1" smtClean="0">
+              <a:rPr lang="en-US" sz="6600" b="1" dirty="0">
                 <a:effectLst>
                   <a:glow rad="101600">
                     <a:schemeClr val="bg1">
@@ -8905,11 +8952,11 @@
                     </a:schemeClr>
                   </a:glow>
                 </a:effectLst>
-                <a:latin typeface="VNI-Aptima" pitchFamily="2" charset="0"/>
+                <a:latin typeface="VNI-Times" pitchFamily="2" charset="0"/>
               </a:rPr>
             </a:br>
             <a:r>
-              <a:rPr lang="en-US" sz="6600" b="1" smtClean="0">
+              <a:rPr lang="en-US" sz="6600" b="1" dirty="0" err="1">
                 <a:effectLst>
                   <a:glow rad="101600">
                     <a:schemeClr val="bg1">
@@ -8917,12 +8964,12 @@
                     </a:schemeClr>
                   </a:glow>
                 </a:effectLst>
-                <a:latin typeface="VNI-Aptima" pitchFamily="2" charset="0"/>
-              </a:rPr>
-              <a:t>trôøi maây</a:t>
-            </a:r>
-            <a:r>
-              <a:rPr lang="en-US" sz="6600" b="1">
+                <a:latin typeface="VNI-Times" pitchFamily="2" charset="0"/>
+              </a:rPr>
+              <a:t>trôøi</a:t>
+            </a:r>
+            <a:r>
+              <a:rPr lang="en-US" sz="6600" b="1" dirty="0">
                 <a:effectLst>
                   <a:glow rad="101600">
                     <a:schemeClr val="bg1">
@@ -8930,20 +8977,36 @@
                     </a:schemeClr>
                   </a:glow>
                 </a:effectLst>
-                <a:latin typeface="VNI-Aptima" pitchFamily="2" charset="0"/>
+                <a:latin typeface="VNI-Times" pitchFamily="2" charset="0"/>
+              </a:rPr>
+              <a:t> </a:t>
+            </a:r>
+            <a:r>
+              <a:rPr lang="en-US" sz="6600" b="1" dirty="0" err="1">
+                <a:effectLst>
+                  <a:glow rad="101600">
+                    <a:schemeClr val="bg1">
+                      <a:alpha val="60000"/>
+                    </a:schemeClr>
+                  </a:glow>
+                </a:effectLst>
+                <a:latin typeface="VNI-Times" pitchFamily="2" charset="0"/>
+              </a:rPr>
+              <a:t>maây</a:t>
+            </a:r>
+            <a:r>
+              <a:rPr lang="en-US" sz="6600" b="1" dirty="0">
+                <a:effectLst>
+                  <a:glow rad="101600">
+                    <a:schemeClr val="bg1">
+                      <a:alpha val="60000"/>
+                    </a:schemeClr>
+                  </a:glow>
+                </a:effectLst>
+                <a:latin typeface="VNI-Times" pitchFamily="2" charset="0"/>
               </a:rPr>
               <a:t>.</a:t>
             </a:r>
-            <a:endParaRPr lang="en-US" sz="6600" b="1" dirty="0" smtClean="0">
-              <a:effectLst>
-                <a:glow rad="101600">
-                  <a:schemeClr val="bg1">
-                    <a:alpha val="60000"/>
-                  </a:schemeClr>
-                </a:glow>
-              </a:effectLst>
-              <a:latin typeface="VNI-Aptima" pitchFamily="2" charset="0"/>
-            </a:endParaRPr>
           </a:p>
         </p:txBody>
       </p:sp>
@@ -8971,7 +9034,7 @@
           <a:p>
             <a:pPr algn="ctr"/>
             <a:r>
-              <a:rPr lang="en-US" sz="4000" b="1" spc="-150" smtClean="0">
+              <a:rPr lang="en-US" sz="4000" b="1" spc="-150" dirty="0">
                 <a:ln w="11430"/>
                 <a:solidFill>
                   <a:schemeClr val="bg1"/>
@@ -8986,27 +9049,10 @@
                     </a:srgbClr>
                   </a:outerShdw>
                 </a:effectLst>
-                <a:latin typeface="HP-Bank" panose="020B0603050302020204" pitchFamily="34" charset="0"/>
+                <a:latin typeface="VNI-Times" pitchFamily="2" charset="0"/>
               </a:rPr>
               <a:t>TÌNH YEÂU LÔÙN LAO</a:t>
             </a:r>
-            <a:endParaRPr lang="en-US" sz="4000" b="1" spc="-150">
-              <a:ln w="11430"/>
-              <a:solidFill>
-                <a:schemeClr val="bg1"/>
-              </a:solidFill>
-              <a:effectLst>
-                <a:glow rad="127000">
-                  <a:prstClr val="black"/>
-                </a:glow>
-                <a:outerShdw blurRad="50800" dist="39000" dir="5460000" algn="tl">
-                  <a:srgbClr val="000000">
-                    <a:alpha val="38000"/>
-                  </a:srgbClr>
-                </a:outerShdw>
-              </a:effectLst>
-              <a:latin typeface="HP-Bank" panose="020B0603050302020204" pitchFamily="34" charset="0"/>
-            </a:endParaRPr>
           </a:p>
         </p:txBody>
       </p:sp>
@@ -9018,13 +9064,6 @@
   <p:transition spd="slow">
     <p:randomBar dir="vert"/>
   </p:transition>
-  <p:timing>
-    <p:tnLst>
-      <p:par>
-        <p:cTn id="1" dur="indefinite" restart="never" nodeType="tmRoot"/>
-      </p:par>
-    </p:tnLst>
-  </p:timing>
 </p:sld>
 </file>
 
@@ -9069,7 +9108,7 @@
           <a:p>
             <a:pPr algn="ctr"/>
             <a:r>
-              <a:rPr lang="en-US" sz="6600" b="1" dirty="0" err="1" smtClean="0">
+              <a:rPr lang="en-US" sz="6600" b="1" dirty="0" err="1">
                 <a:effectLst>
                   <a:glow rad="101600">
                     <a:schemeClr val="bg1">
@@ -9077,12 +9116,12 @@
                     </a:schemeClr>
                   </a:glow>
                 </a:effectLst>
-                <a:latin typeface="VNI-Aptima" pitchFamily="2" charset="0"/>
+                <a:latin typeface="VNI-Times" pitchFamily="2" charset="0"/>
               </a:rPr>
               <a:t>Bieát</a:t>
             </a:r>
             <a:r>
-              <a:rPr lang="en-US" sz="6600" b="1" dirty="0" smtClean="0">
+              <a:rPr lang="en-US" sz="6600" b="1" dirty="0">
                 <a:effectLst>
                   <a:glow rad="101600">
                     <a:schemeClr val="bg1">
@@ -9090,12 +9129,12 @@
                     </a:schemeClr>
                   </a:glow>
                 </a:effectLst>
-                <a:latin typeface="VNI-Aptima" pitchFamily="2" charset="0"/>
+                <a:latin typeface="VNI-Times" pitchFamily="2" charset="0"/>
               </a:rPr>
               <a:t> </a:t>
             </a:r>
             <a:r>
-              <a:rPr lang="en-US" sz="6600" b="1" dirty="0" err="1" smtClean="0">
+              <a:rPr lang="en-US" sz="6600" b="1" dirty="0" err="1">
                 <a:effectLst>
                   <a:glow rad="101600">
                     <a:schemeClr val="bg1">
@@ -9103,12 +9142,12 @@
                     </a:schemeClr>
                   </a:glow>
                 </a:effectLst>
-                <a:latin typeface="VNI-Aptima" pitchFamily="2" charset="0"/>
+                <a:latin typeface="VNI-Times" pitchFamily="2" charset="0"/>
               </a:rPr>
               <a:t>laáy</a:t>
             </a:r>
             <a:r>
-              <a:rPr lang="en-US" sz="6600" b="1" dirty="0" smtClean="0">
+              <a:rPr lang="en-US" sz="6600" b="1" dirty="0">
                 <a:effectLst>
                   <a:glow rad="101600">
                     <a:schemeClr val="bg1">
@@ -9116,12 +9155,12 @@
                     </a:schemeClr>
                   </a:glow>
                 </a:effectLst>
-                <a:latin typeface="VNI-Aptima" pitchFamily="2" charset="0"/>
+                <a:latin typeface="VNI-Times" pitchFamily="2" charset="0"/>
               </a:rPr>
               <a:t> chi </a:t>
             </a:r>
             <a:r>
-              <a:rPr lang="en-US" sz="6600" b="1" dirty="0" err="1" smtClean="0">
+              <a:rPr lang="en-US" sz="6600" b="1" dirty="0" err="1">
                 <a:effectLst>
                   <a:glow rad="101600">
                     <a:schemeClr val="bg1">
@@ -9129,12 +9168,12 @@
                     </a:schemeClr>
                   </a:glow>
                 </a:effectLst>
-                <a:latin typeface="VNI-Aptima" pitchFamily="2" charset="0"/>
+                <a:latin typeface="VNI-Times" pitchFamily="2" charset="0"/>
               </a:rPr>
               <a:t>ño</a:t>
             </a:r>
             <a:r>
-              <a:rPr lang="en-US" sz="6600" b="1" dirty="0" smtClean="0">
+              <a:rPr lang="en-US" sz="6600" b="1" dirty="0">
                 <a:effectLst>
                   <a:glow rad="101600">
                     <a:schemeClr val="bg1">
@@ -9142,12 +9181,12 @@
                     </a:schemeClr>
                   </a:glow>
                 </a:effectLst>
-                <a:latin typeface="VNI-Aptima" pitchFamily="2" charset="0"/>
+                <a:latin typeface="VNI-Times" pitchFamily="2" charset="0"/>
               </a:rPr>
               <a:t> </a:t>
             </a:r>
             <a:r>
-              <a:rPr lang="en-US" sz="6600" b="1" dirty="0" err="1" smtClean="0">
+              <a:rPr lang="en-US" sz="6600" b="1" dirty="0" err="1">
                 <a:effectLst>
                   <a:glow rad="101600">
                     <a:schemeClr val="bg1">
@@ -9155,12 +9194,12 @@
                     </a:schemeClr>
                   </a:glow>
                 </a:effectLst>
-                <a:latin typeface="VNI-Aptima" pitchFamily="2" charset="0"/>
+                <a:latin typeface="VNI-Times" pitchFamily="2" charset="0"/>
               </a:rPr>
               <a:t>löôøng</a:t>
             </a:r>
             <a:r>
-              <a:rPr lang="en-US" sz="6600" b="1" dirty="0" smtClean="0">
+              <a:rPr lang="en-US" sz="6600" b="1" dirty="0">
                 <a:effectLst>
                   <a:glow rad="101600">
                     <a:schemeClr val="bg1">
@@ -9168,12 +9207,12 @@
                     </a:schemeClr>
                   </a:glow>
                 </a:effectLst>
-                <a:latin typeface="VNI-Aptima" pitchFamily="2" charset="0"/>
+                <a:latin typeface="VNI-Times" pitchFamily="2" charset="0"/>
               </a:rPr>
               <a:t>, </a:t>
             </a:r>
             <a:r>
-              <a:rPr lang="en-US" sz="6600" b="1" dirty="0" err="1" smtClean="0">
+              <a:rPr lang="en-US" sz="6600" b="1" dirty="0" err="1">
                 <a:effectLst>
                   <a:glow rad="101600">
                     <a:schemeClr val="bg1">
@@ -9181,12 +9220,12 @@
                     </a:schemeClr>
                   </a:glow>
                 </a:effectLst>
-                <a:latin typeface="VNI-Aptima" pitchFamily="2" charset="0"/>
+                <a:latin typeface="VNI-Times" pitchFamily="2" charset="0"/>
               </a:rPr>
               <a:t>oâi</a:t>
             </a:r>
             <a:r>
-              <a:rPr lang="en-US" sz="6600" b="1" dirty="0" smtClean="0">
+              <a:rPr lang="en-US" sz="6600" b="1" dirty="0">
                 <a:effectLst>
                   <a:glow rad="101600">
                     <a:schemeClr val="bg1">
@@ -9194,12 +9233,12 @@
                     </a:schemeClr>
                   </a:glow>
                 </a:effectLst>
-                <a:latin typeface="VNI-Aptima" pitchFamily="2" charset="0"/>
+                <a:latin typeface="VNI-Times" pitchFamily="2" charset="0"/>
               </a:rPr>
               <a:t> </a:t>
             </a:r>
             <a:r>
-              <a:rPr lang="en-US" sz="6600" b="1" dirty="0" err="1" smtClean="0">
+              <a:rPr lang="en-US" sz="6600" b="1" dirty="0" err="1">
                 <a:effectLst>
                   <a:glow rad="101600">
                     <a:schemeClr val="bg1">
@@ -9207,12 +9246,12 @@
                     </a:schemeClr>
                   </a:glow>
                 </a:effectLst>
-                <a:latin typeface="VNI-Aptima" pitchFamily="2" charset="0"/>
+                <a:latin typeface="VNI-Times" pitchFamily="2" charset="0"/>
               </a:rPr>
               <a:t>tình</a:t>
             </a:r>
             <a:r>
-              <a:rPr lang="en-US" sz="6600" b="1" dirty="0" smtClean="0">
+              <a:rPr lang="en-US" sz="6600" b="1" dirty="0">
                 <a:effectLst>
                   <a:glow rad="101600">
                     <a:schemeClr val="bg1">
@@ -9220,12 +9259,12 @@
                     </a:schemeClr>
                   </a:glow>
                 </a:effectLst>
-                <a:latin typeface="VNI-Aptima" pitchFamily="2" charset="0"/>
+                <a:latin typeface="VNI-Times" pitchFamily="2" charset="0"/>
               </a:rPr>
               <a:t> </a:t>
             </a:r>
             <a:r>
-              <a:rPr lang="en-US" sz="6600" b="1" dirty="0" err="1" smtClean="0">
+              <a:rPr lang="en-US" sz="6600" b="1" dirty="0" err="1">
                 <a:effectLst>
                   <a:glow rad="101600">
                     <a:schemeClr val="bg1">
@@ -9233,12 +9272,12 @@
                     </a:schemeClr>
                   </a:glow>
                 </a:effectLst>
-                <a:latin typeface="VNI-Aptima" pitchFamily="2" charset="0"/>
+                <a:latin typeface="VNI-Times" pitchFamily="2" charset="0"/>
               </a:rPr>
               <a:t>yeâu</a:t>
             </a:r>
             <a:r>
-              <a:rPr lang="en-US" sz="6600" b="1" dirty="0" smtClean="0">
+              <a:rPr lang="en-US" sz="6600" b="1" dirty="0">
                 <a:effectLst>
                   <a:glow rad="101600">
                     <a:schemeClr val="bg1">
@@ -9246,12 +9285,12 @@
                     </a:schemeClr>
                   </a:glow>
                 </a:effectLst>
-                <a:latin typeface="VNI-Aptima" pitchFamily="2" charset="0"/>
+                <a:latin typeface="VNI-Times" pitchFamily="2" charset="0"/>
               </a:rPr>
               <a:t> </a:t>
             </a:r>
             <a:r>
-              <a:rPr lang="en-US" sz="6600" b="1" err="1" smtClean="0">
+              <a:rPr lang="en-US" sz="6600" b="1" dirty="0" err="1">
                 <a:effectLst>
                   <a:glow rad="101600">
                     <a:schemeClr val="bg1">
@@ -9259,12 +9298,12 @@
                     </a:schemeClr>
                   </a:glow>
                 </a:effectLst>
-                <a:latin typeface="VNI-Aptima" pitchFamily="2" charset="0"/>
+                <a:latin typeface="VNI-Times" pitchFamily="2" charset="0"/>
               </a:rPr>
               <a:t>Chuùa</a:t>
             </a:r>
             <a:r>
-              <a:rPr lang="en-US" sz="6600" b="1" smtClean="0">
+              <a:rPr lang="en-US" sz="6600" b="1" dirty="0">
                 <a:effectLst>
                   <a:glow rad="101600">
                     <a:schemeClr val="bg1">
@@ -9272,12 +9311,12 @@
                     </a:schemeClr>
                   </a:glow>
                 </a:effectLst>
-                <a:latin typeface="VNI-Aptima" pitchFamily="2" charset="0"/>
+                <a:latin typeface="VNI-Times" pitchFamily="2" charset="0"/>
               </a:rPr>
               <a:t> </a:t>
             </a:r>
-            <a:r>
-              <a:rPr lang="en-US" sz="6600" b="1" smtClean="0">
+            <a:br>
+              <a:rPr lang="en-US" sz="6600" b="1" dirty="0">
                 <a:effectLst>
                   <a:glow rad="101600">
                     <a:schemeClr val="bg1">
@@ -9285,12 +9324,11 @@
                     </a:schemeClr>
                   </a:glow>
                 </a:effectLst>
-                <a:latin typeface="VNI-Aptima" pitchFamily="2" charset="0"/>
-              </a:rPr>
-              <a:t/>
-            </a:r>
-            <a:br>
-              <a:rPr lang="en-US" sz="6600" b="1" smtClean="0">
+                <a:latin typeface="VNI-Times" pitchFamily="2" charset="0"/>
+              </a:rPr>
+            </a:br>
+            <a:r>
+              <a:rPr lang="en-US" sz="6600" b="1" dirty="0" err="1">
                 <a:effectLst>
                   <a:glow rad="101600">
                     <a:schemeClr val="bg1">
@@ -9298,11 +9336,12 @@
                     </a:schemeClr>
                   </a:glow>
                 </a:effectLst>
-                <a:latin typeface="VNI-Aptima" pitchFamily="2" charset="0"/>
-              </a:rPr>
-            </a:br>
-            <a:r>
-              <a:rPr lang="en-US" sz="6600" b="1" smtClean="0">
+                <a:latin typeface="VNI-Times" pitchFamily="2" charset="0"/>
+              </a:rPr>
+              <a:t>vôøi</a:t>
+            </a:r>
+            <a:r>
+              <a:rPr lang="en-US" sz="6600" b="1" dirty="0">
                 <a:effectLst>
                   <a:glow rad="101600">
                     <a:schemeClr val="bg1">
@@ -9310,12 +9349,12 @@
                     </a:schemeClr>
                   </a:glow>
                 </a:effectLst>
-                <a:latin typeface="VNI-Aptima" pitchFamily="2" charset="0"/>
-              </a:rPr>
-              <a:t>vôøi </a:t>
-            </a:r>
-            <a:r>
-              <a:rPr lang="en-US" sz="6600" b="1" dirty="0" err="1" smtClean="0">
+                <a:latin typeface="VNI-Times" pitchFamily="2" charset="0"/>
+              </a:rPr>
+              <a:t> </a:t>
+            </a:r>
+            <a:r>
+              <a:rPr lang="en-US" sz="6600" b="1" dirty="0" err="1">
                 <a:effectLst>
                   <a:glow rad="101600">
                     <a:schemeClr val="bg1">
@@ -9323,12 +9362,12 @@
                     </a:schemeClr>
                   </a:glow>
                 </a:effectLst>
-                <a:latin typeface="VNI-Aptima" pitchFamily="2" charset="0"/>
+                <a:latin typeface="VNI-Times" pitchFamily="2" charset="0"/>
               </a:rPr>
               <a:t>cao</a:t>
             </a:r>
             <a:r>
-              <a:rPr lang="en-US" sz="6600" b="1" dirty="0" smtClean="0">
+              <a:rPr lang="en-US" sz="6600" b="1" dirty="0">
                 <a:effectLst>
                   <a:glow rad="101600">
                     <a:schemeClr val="bg1">
@@ -9336,7 +9375,7 @@
                     </a:schemeClr>
                   </a:glow>
                 </a:effectLst>
-                <a:latin typeface="VNI-Aptima" pitchFamily="2" charset="0"/>
+                <a:latin typeface="VNI-Times" pitchFamily="2" charset="0"/>
               </a:rPr>
               <a:t>. </a:t>
             </a:r>
@@ -9367,7 +9406,7 @@
           <a:p>
             <a:pPr algn="ctr"/>
             <a:r>
-              <a:rPr lang="en-US" sz="4000" b="1" spc="-150">
+              <a:rPr lang="en-US" sz="4000" b="1" spc="-150" dirty="0">
                 <a:ln w="11430"/>
                 <a:solidFill>
                   <a:schemeClr val="bg1"/>
@@ -9382,27 +9421,10 @@
                     </a:srgbClr>
                   </a:outerShdw>
                 </a:effectLst>
-                <a:latin typeface="HP-Bank" panose="020B0603050302020204" pitchFamily="34" charset="0"/>
+                <a:latin typeface="VNI-Times" pitchFamily="2" charset="0"/>
               </a:rPr>
               <a:t>TÌNH YEÂU LÔÙN LAO</a:t>
             </a:r>
-            <a:endParaRPr lang="en-US" sz="4000" b="1" spc="-150">
-              <a:ln w="11430"/>
-              <a:solidFill>
-                <a:schemeClr val="bg1"/>
-              </a:solidFill>
-              <a:effectLst>
-                <a:glow rad="127000">
-                  <a:prstClr val="black"/>
-                </a:glow>
-                <a:outerShdw blurRad="50800" dist="39000" dir="5460000" algn="tl">
-                  <a:srgbClr val="000000">
-                    <a:alpha val="38000"/>
-                  </a:srgbClr>
-                </a:outerShdw>
-              </a:effectLst>
-              <a:latin typeface="HP-Bank" panose="020B0603050302020204" pitchFamily="34" charset="0"/>
-            </a:endParaRPr>
           </a:p>
         </p:txBody>
       </p:sp>
@@ -9411,13 +9433,6 @@
   <p:clrMapOvr>
     <a:masterClrMapping/>
   </p:clrMapOvr>
-  <p:timing>
-    <p:tnLst>
-      <p:par>
-        <p:cTn id="1" dur="indefinite" restart="never" nodeType="tmRoot"/>
-      </p:par>
-    </p:tnLst>
-  </p:timing>
 </p:sld>
 </file>
 
@@ -9477,72 +9492,219 @@
           </a:lstStyle>
           <a:p>
             <a:r>
-              <a:rPr lang="en-US" dirty="0" err="1"/>
+              <a:rPr lang="en-US" dirty="0" err="1">
+                <a:latin typeface="VNI-Times" pitchFamily="2" charset="0"/>
+              </a:rPr>
               <a:t>Tình</a:t>
             </a:r>
             <a:r>
-              <a:rPr lang="en-US" dirty="0"/>
+              <a:rPr lang="en-US" dirty="0">
+                <a:latin typeface="VNI-Times" pitchFamily="2" charset="0"/>
+              </a:rPr>
               <a:t> </a:t>
             </a:r>
             <a:r>
-              <a:rPr lang="en-US" dirty="0" err="1"/>
+              <a:rPr lang="en-US" dirty="0" err="1">
+                <a:latin typeface="VNI-Times" pitchFamily="2" charset="0"/>
+              </a:rPr>
               <a:t>yeâu</a:t>
             </a:r>
             <a:r>
-              <a:rPr lang="en-US" dirty="0"/>
+              <a:rPr lang="en-US" dirty="0">
+                <a:latin typeface="VNI-Times" pitchFamily="2" charset="0"/>
+              </a:rPr>
               <a:t> </a:t>
             </a:r>
             <a:r>
-              <a:rPr lang="en-US" err="1"/>
+              <a:rPr lang="en-US" dirty="0" err="1">
+                <a:latin typeface="VNI-Times" pitchFamily="2" charset="0"/>
+              </a:rPr>
               <a:t>Ngaøi</a:t>
             </a:r>
             <a:r>
-              <a:rPr lang="en-US"/>
+              <a:rPr lang="en-US" dirty="0">
+                <a:latin typeface="VNI-Times" pitchFamily="2" charset="0"/>
+              </a:rPr>
               <a:t> </a:t>
             </a:r>
             <a:r>
-              <a:rPr lang="en-US" smtClean="0"/>
-              <a:t>thaät </a:t>
+              <a:rPr lang="en-US" dirty="0" err="1">
+                <a:latin typeface="VNI-Times" pitchFamily="2" charset="0"/>
+              </a:rPr>
+              <a:t>thaät</a:t>
+            </a:r>
+            <a:r>
+              <a:rPr lang="en-US" dirty="0">
+                <a:latin typeface="VNI-Times" pitchFamily="2" charset="0"/>
+              </a:rPr>
+              <a:t> </a:t>
             </a:r>
             <a:br>
-              <a:rPr lang="en-US" smtClean="0"/>
+              <a:rPr lang="en-US" dirty="0">
+                <a:latin typeface="VNI-Times" pitchFamily="2" charset="0"/>
+              </a:rPr>
             </a:br>
             <a:r>
-              <a:rPr lang="en-US" smtClean="0"/>
+              <a:rPr lang="en-US" dirty="0" err="1">
+                <a:latin typeface="VNI-Times" pitchFamily="2" charset="0"/>
+              </a:rPr>
               <a:t>saâu</a:t>
             </a:r>
             <a:r>
-              <a:rPr lang="en-US" dirty="0"/>
+              <a:rPr lang="en-US" dirty="0">
+                <a:latin typeface="VNI-Times" pitchFamily="2" charset="0"/>
+              </a:rPr>
               <a:t>, </a:t>
             </a:r>
             <a:r>
-              <a:rPr lang="en-US" err="1"/>
+              <a:rPr lang="en-US" dirty="0" err="1">
+                <a:latin typeface="VNI-Times" pitchFamily="2" charset="0"/>
+              </a:rPr>
               <a:t>saâu</a:t>
             </a:r>
             <a:r>
-              <a:rPr lang="en-US"/>
+              <a:rPr lang="en-US" dirty="0">
+                <a:latin typeface="VNI-Times" pitchFamily="2" charset="0"/>
+              </a:rPr>
               <a:t> </a:t>
             </a:r>
             <a:r>
-              <a:rPr lang="en-US" smtClean="0"/>
-              <a:t>thaúm beå khôi, </a:t>
+              <a:rPr lang="en-US" dirty="0" err="1">
+                <a:latin typeface="VNI-Times" pitchFamily="2" charset="0"/>
+              </a:rPr>
+              <a:t>thaúm</a:t>
+            </a:r>
+            <a:r>
+              <a:rPr lang="en-US" dirty="0">
+                <a:latin typeface="VNI-Times" pitchFamily="2" charset="0"/>
+              </a:rPr>
+              <a:t> </a:t>
+            </a:r>
+            <a:r>
+              <a:rPr lang="en-US" dirty="0" err="1">
+                <a:latin typeface="VNI-Times" pitchFamily="2" charset="0"/>
+              </a:rPr>
+              <a:t>beå</a:t>
+            </a:r>
+            <a:r>
+              <a:rPr lang="en-US" dirty="0">
+                <a:latin typeface="VNI-Times" pitchFamily="2" charset="0"/>
+              </a:rPr>
+              <a:t> </a:t>
+            </a:r>
+            <a:r>
+              <a:rPr lang="en-US" dirty="0" err="1">
+                <a:latin typeface="VNI-Times" pitchFamily="2" charset="0"/>
+              </a:rPr>
+              <a:t>khôi</a:t>
+            </a:r>
+            <a:r>
+              <a:rPr lang="en-US" dirty="0">
+                <a:latin typeface="VNI-Times" pitchFamily="2" charset="0"/>
+              </a:rPr>
+              <a:t>, </a:t>
             </a:r>
             <a:br>
-              <a:rPr lang="en-US" smtClean="0"/>
+              <a:rPr lang="en-US" dirty="0">
+                <a:latin typeface="VNI-Times" pitchFamily="2" charset="0"/>
+              </a:rPr>
             </a:br>
             <a:r>
-              <a:rPr lang="en-US" smtClean="0"/>
-              <a:t>maõi </a:t>
-            </a:r>
-            <a:r>
-              <a:rPr lang="en-US"/>
-              <a:t>ñeán muoân ñôøi, khoâng heà phoâi phai. </a:t>
-            </a:r>
-            <a:r>
-              <a:rPr lang="en-US" smtClean="0"/>
+              <a:rPr lang="en-US" dirty="0" err="1">
+                <a:latin typeface="VNI-Times" pitchFamily="2" charset="0"/>
+              </a:rPr>
+              <a:t>maõi</a:t>
+            </a:r>
+            <a:r>
+              <a:rPr lang="en-US" dirty="0">
+                <a:latin typeface="VNI-Times" pitchFamily="2" charset="0"/>
+              </a:rPr>
               <a:t> </a:t>
             </a:r>
-            <a:endParaRPr lang="en-US" dirty="0"/>
+            <a:r>
+              <a:rPr lang="en-US" dirty="0" err="1">
+                <a:latin typeface="VNI-Times" pitchFamily="2" charset="0"/>
+              </a:rPr>
+              <a:t>ñeán</a:t>
+            </a:r>
+            <a:r>
+              <a:rPr lang="en-US" dirty="0">
+                <a:latin typeface="VNI-Times" pitchFamily="2" charset="0"/>
+              </a:rPr>
+              <a:t> </a:t>
+            </a:r>
+            <a:r>
+              <a:rPr lang="en-US" dirty="0" err="1">
+                <a:latin typeface="VNI-Times" pitchFamily="2" charset="0"/>
+              </a:rPr>
+              <a:t>muoân</a:t>
+            </a:r>
+            <a:r>
+              <a:rPr lang="en-US" dirty="0">
+                <a:latin typeface="VNI-Times" pitchFamily="2" charset="0"/>
+              </a:rPr>
+              <a:t> </a:t>
+            </a:r>
+            <a:r>
+              <a:rPr lang="en-US" dirty="0" err="1">
+                <a:latin typeface="VNI-Times" pitchFamily="2" charset="0"/>
+              </a:rPr>
+              <a:t>ñôøi</a:t>
+            </a:r>
+            <a:r>
+              <a:rPr lang="en-US" dirty="0">
+                <a:latin typeface="VNI-Times" pitchFamily="2" charset="0"/>
+              </a:rPr>
+              <a:t>, </a:t>
+            </a:r>
+            <a:r>
+              <a:rPr lang="en-US" dirty="0" err="1">
+                <a:latin typeface="VNI-Times" pitchFamily="2" charset="0"/>
+              </a:rPr>
+              <a:t>khoâng</a:t>
+            </a:r>
+            <a:r>
+              <a:rPr lang="en-US" dirty="0">
+                <a:latin typeface="VNI-Times" pitchFamily="2" charset="0"/>
+              </a:rPr>
+              <a:t> </a:t>
+            </a:r>
+            <a:r>
+              <a:rPr lang="en-US" dirty="0" err="1">
+                <a:latin typeface="VNI-Times" pitchFamily="2" charset="0"/>
+              </a:rPr>
+              <a:t>heà</a:t>
+            </a:r>
+            <a:r>
+              <a:rPr lang="en-US" dirty="0">
+                <a:latin typeface="VNI-Times" pitchFamily="2" charset="0"/>
+              </a:rPr>
+              <a:t> </a:t>
+            </a:r>
+            <a:r>
+              <a:rPr lang="en-US" dirty="0" err="1">
+                <a:latin typeface="VNI-Times" pitchFamily="2" charset="0"/>
+              </a:rPr>
+              <a:t>phoâi</a:t>
+            </a:r>
+            <a:r>
+              <a:rPr lang="en-US" dirty="0">
+                <a:latin typeface="VNI-Times" pitchFamily="2" charset="0"/>
+              </a:rPr>
+              <a:t> </a:t>
+            </a:r>
+            <a:r>
+              <a:rPr lang="en-US" dirty="0" err="1">
+                <a:latin typeface="VNI-Times" pitchFamily="2" charset="0"/>
+              </a:rPr>
+              <a:t>phai</a:t>
+            </a:r>
+            <a:r>
+              <a:rPr lang="en-US" dirty="0">
+                <a:latin typeface="VNI-Times" pitchFamily="2" charset="0"/>
+              </a:rPr>
+              <a:t>.  </a:t>
+            </a:r>
           </a:p>
         </p:txBody>
       </p:sp>
@@ -9570,7 +9732,7 @@
           <a:p>
             <a:pPr algn="ctr"/>
             <a:r>
-              <a:rPr lang="en-US" sz="4000" b="1" spc="-150">
+              <a:rPr lang="en-US" sz="4000" b="1" spc="-150" dirty="0">
                 <a:ln w="11430"/>
                 <a:solidFill>
                   <a:schemeClr val="bg1"/>
@@ -9585,27 +9747,10 @@
                     </a:srgbClr>
                   </a:outerShdw>
                 </a:effectLst>
-                <a:latin typeface="HP-Bank" panose="020B0603050302020204" pitchFamily="34" charset="0"/>
+                <a:latin typeface="VNI-Times" pitchFamily="2" charset="0"/>
               </a:rPr>
               <a:t>TÌNH YEÂU LÔÙN LAO</a:t>
             </a:r>
-            <a:endParaRPr lang="en-US" sz="4000" b="1" spc="-150">
-              <a:ln w="11430"/>
-              <a:solidFill>
-                <a:schemeClr val="bg1"/>
-              </a:solidFill>
-              <a:effectLst>
-                <a:glow rad="127000">
-                  <a:prstClr val="black"/>
-                </a:glow>
-                <a:outerShdw blurRad="50800" dist="39000" dir="5460000" algn="tl">
-                  <a:srgbClr val="000000">
-                    <a:alpha val="38000"/>
-                  </a:srgbClr>
-                </a:outerShdw>
-              </a:effectLst>
-              <a:latin typeface="HP-Bank" panose="020B0603050302020204" pitchFamily="34" charset="0"/>
-            </a:endParaRPr>
           </a:p>
         </p:txBody>
       </p:sp>
@@ -9614,13 +9759,6 @@
   <p:clrMapOvr>
     <a:masterClrMapping/>
   </p:clrMapOvr>
-  <p:timing>
-    <p:tnLst>
-      <p:par>
-        <p:cTn id="1" dur="indefinite" restart="never" nodeType="tmRoot"/>
-      </p:par>
-    </p:tnLst>
-  </p:timing>
 </p:sld>
 </file>
 
@@ -9680,88 +9818,117 @@
           </a:lstStyle>
           <a:p>
             <a:r>
-              <a:rPr lang="en-US" dirty="0"/>
+              <a:rPr lang="en-US" dirty="0">
+                <a:latin typeface="VNI-Times" pitchFamily="2" charset="0"/>
+              </a:rPr>
               <a:t> </a:t>
             </a:r>
             <a:r>
-              <a:rPr lang="en-US" sz="4400" i="1" u="sng" dirty="0" err="1"/>
-              <a:t>ÑK</a:t>
-            </a:r>
-            <a:r>
-              <a:rPr lang="en-US" sz="4400" i="1" u="sng"/>
-              <a:t>: </a:t>
-            </a:r>
-            <a:r>
-              <a:rPr lang="en-US" dirty="0" smtClean="0"/>
+              <a:rPr lang="en-US" sz="4400" u="sng" dirty="0">
+                <a:latin typeface="VNI-Times" pitchFamily="2" charset="0"/>
+              </a:rPr>
+              <a:t>ÑK: </a:t>
+            </a:r>
+            <a:r>
+              <a:rPr lang="en-US" dirty="0">
+                <a:latin typeface="VNI-Times" pitchFamily="2" charset="0"/>
+              </a:rPr>
               <a:t> </a:t>
             </a:r>
             <a:r>
-              <a:rPr lang="en-US" smtClean="0"/>
-              <a:t>Lôùn </a:t>
-            </a:r>
-            <a:r>
-              <a:rPr lang="en-US" dirty="0" err="1"/>
-              <a:t>lao</a:t>
-            </a:r>
-            <a:r>
-              <a:rPr lang="en-US" dirty="0"/>
+              <a:rPr lang="en-US" dirty="0" err="1">
+                <a:latin typeface="VNI-Times" pitchFamily="2" charset="0"/>
+              </a:rPr>
+              <a:t>Lôùn</a:t>
+            </a:r>
+            <a:r>
+              <a:rPr lang="en-US" dirty="0">
+                <a:latin typeface="VNI-Times" pitchFamily="2" charset="0"/>
+              </a:rPr>
+              <a:t> lao </a:t>
+            </a:r>
+            <a:r>
+              <a:rPr lang="en-US" dirty="0" err="1">
+                <a:latin typeface="VNI-Times" pitchFamily="2" charset="0"/>
+              </a:rPr>
+              <a:t>voâ</a:t>
+            </a:r>
+            <a:r>
+              <a:rPr lang="en-US" dirty="0">
+                <a:latin typeface="VNI-Times" pitchFamily="2" charset="0"/>
+              </a:rPr>
               <a:t> </a:t>
             </a:r>
             <a:r>
-              <a:rPr lang="en-US" dirty="0" err="1"/>
-              <a:t>voâ</a:t>
-            </a:r>
-            <a:r>
-              <a:rPr lang="en-US" dirty="0"/>
+              <a:rPr lang="en-US" dirty="0" err="1">
+                <a:latin typeface="VNI-Times" pitchFamily="2" charset="0"/>
+              </a:rPr>
+              <a:t>cuøng</a:t>
+            </a:r>
+            <a:r>
+              <a:rPr lang="en-US" dirty="0">
+                <a:latin typeface="VNI-Times" pitchFamily="2" charset="0"/>
+              </a:rPr>
+              <a:t>, </a:t>
+            </a:r>
+            <a:br>
+              <a:rPr lang="en-US" dirty="0">
+                <a:latin typeface="VNI-Times" pitchFamily="2" charset="0"/>
+              </a:rPr>
+            </a:br>
+            <a:r>
+              <a:rPr lang="en-US" dirty="0" err="1">
+                <a:latin typeface="VNI-Times" pitchFamily="2" charset="0"/>
+              </a:rPr>
+              <a:t>lôùn</a:t>
+            </a:r>
+            <a:r>
+              <a:rPr lang="en-US" dirty="0">
+                <a:latin typeface="VNI-Times" pitchFamily="2" charset="0"/>
+              </a:rPr>
+              <a:t> lao </a:t>
+            </a:r>
+            <a:r>
+              <a:rPr lang="en-US" dirty="0" err="1">
+                <a:latin typeface="VNI-Times" pitchFamily="2" charset="0"/>
+              </a:rPr>
+              <a:t>thay</a:t>
+            </a:r>
+            <a:r>
+              <a:rPr lang="en-US" dirty="0">
+                <a:latin typeface="VNI-Times" pitchFamily="2" charset="0"/>
+              </a:rPr>
               <a:t> </a:t>
             </a:r>
-            <a:r>
-              <a:rPr lang="en-US" dirty="0" err="1"/>
-              <a:t>cuøng</a:t>
-            </a:r>
-            <a:r>
-              <a:rPr lang="en-US"/>
-              <a:t>, </a:t>
-            </a:r>
-            <a:r>
-              <a:rPr lang="en-US" smtClean="0"/>
-              <a:t/>
-            </a:r>
             <a:br>
-              <a:rPr lang="en-US" smtClean="0"/>
+              <a:rPr lang="en-US" dirty="0">
+                <a:latin typeface="VNI-Times" pitchFamily="2" charset="0"/>
+              </a:rPr>
             </a:br>
             <a:r>
-              <a:rPr lang="en-US" smtClean="0"/>
-              <a:t>lôùn </a:t>
-            </a:r>
-            <a:r>
-              <a:rPr lang="en-US" dirty="0" err="1"/>
-              <a:t>lao</a:t>
-            </a:r>
-            <a:r>
-              <a:rPr lang="en-US" dirty="0"/>
+              <a:rPr lang="en-US" dirty="0" err="1">
+                <a:latin typeface="VNI-Times" pitchFamily="2" charset="0"/>
+              </a:rPr>
+              <a:t>ôn</a:t>
+            </a:r>
+            <a:r>
+              <a:rPr lang="en-US" dirty="0">
+                <a:latin typeface="VNI-Times" pitchFamily="2" charset="0"/>
+              </a:rPr>
               <a:t> </a:t>
             </a:r>
             <a:r>
-              <a:rPr lang="en-US" err="1"/>
-              <a:t>thay</a:t>
-            </a:r>
-            <a:r>
-              <a:rPr lang="en-US"/>
-              <a:t> </a:t>
-            </a:r>
-            <a:br>
-              <a:rPr lang="en-US"/>
-            </a:br>
-            <a:r>
-              <a:rPr lang="en-US"/>
-              <a:t>ôn </a:t>
-            </a:r>
-            <a:r>
-              <a:rPr lang="en-US" smtClean="0"/>
-              <a:t>Ngaøi.</a:t>
-            </a:r>
-            <a:endParaRPr lang="en-US" dirty="0"/>
+              <a:rPr lang="en-US" dirty="0" err="1">
+                <a:latin typeface="VNI-Times" pitchFamily="2" charset="0"/>
+              </a:rPr>
+              <a:t>Ngaøi</a:t>
+            </a:r>
+            <a:r>
+              <a:rPr lang="en-US" dirty="0">
+                <a:latin typeface="VNI-Times" pitchFamily="2" charset="0"/>
+              </a:rPr>
+              <a:t>.</a:t>
+            </a:r>
           </a:p>
         </p:txBody>
       </p:sp>
@@ -9789,7 +9956,7 @@
           <a:p>
             <a:pPr algn="ctr"/>
             <a:r>
-              <a:rPr lang="en-US" sz="4000" b="1" spc="-150">
+              <a:rPr lang="en-US" sz="4000" b="1" spc="-150" dirty="0">
                 <a:ln w="11430"/>
                 <a:solidFill>
                   <a:schemeClr val="bg1"/>
@@ -9804,27 +9971,10 @@
                     </a:srgbClr>
                   </a:outerShdw>
                 </a:effectLst>
-                <a:latin typeface="HP-Bank" panose="020B0603050302020204" pitchFamily="34" charset="0"/>
+                <a:latin typeface="VNI-Times" pitchFamily="2" charset="0"/>
               </a:rPr>
               <a:t>TÌNH YEÂU LÔÙN LAO</a:t>
             </a:r>
-            <a:endParaRPr lang="en-US" sz="4000" b="1" spc="-150">
-              <a:ln w="11430"/>
-              <a:solidFill>
-                <a:schemeClr val="bg1"/>
-              </a:solidFill>
-              <a:effectLst>
-                <a:glow rad="127000">
-                  <a:prstClr val="black"/>
-                </a:glow>
-                <a:outerShdw blurRad="50800" dist="39000" dir="5460000" algn="tl">
-                  <a:srgbClr val="000000">
-                    <a:alpha val="38000"/>
-                  </a:srgbClr>
-                </a:outerShdw>
-              </a:effectLst>
-              <a:latin typeface="HP-Bank" panose="020B0603050302020204" pitchFamily="34" charset="0"/>
-            </a:endParaRPr>
           </a:p>
         </p:txBody>
       </p:sp>
@@ -9833,13 +9983,6 @@
   <p:clrMapOvr>
     <a:masterClrMapping/>
   </p:clrMapOvr>
-  <p:timing>
-    <p:tnLst>
-      <p:par>
-        <p:cTn id="1" dur="indefinite" restart="never" nodeType="tmRoot"/>
-      </p:par>
-    </p:tnLst>
-  </p:timing>
 </p:sld>
 </file>
 
@@ -9899,69 +10042,109 @@
           </a:lstStyle>
           <a:p>
             <a:r>
-              <a:rPr lang="en-US" dirty="0" err="1"/>
-              <a:t>Ñ</a:t>
-            </a:r>
-            <a:r>
-              <a:rPr lang="en-US"/>
-              <a:t>eán </a:t>
-            </a:r>
-            <a:r>
-              <a:rPr lang="en-US" dirty="0" err="1"/>
+              <a:rPr lang="en-US" dirty="0" err="1">
+                <a:latin typeface="VNI-Times" pitchFamily="2" charset="0"/>
+              </a:rPr>
+              <a:t>Ñeán</a:t>
+            </a:r>
+            <a:r>
+              <a:rPr lang="en-US" dirty="0">
+                <a:latin typeface="VNI-Times" pitchFamily="2" charset="0"/>
+              </a:rPr>
+              <a:t> </a:t>
+            </a:r>
+            <a:r>
+              <a:rPr lang="en-US" dirty="0" err="1">
+                <a:latin typeface="VNI-Times" pitchFamily="2" charset="0"/>
+              </a:rPr>
               <a:t>muoân</a:t>
             </a:r>
             <a:r>
-              <a:rPr lang="en-US" dirty="0"/>
+              <a:rPr lang="en-US" dirty="0">
+                <a:latin typeface="VNI-Times" pitchFamily="2" charset="0"/>
+              </a:rPr>
               <a:t> </a:t>
             </a:r>
             <a:r>
-              <a:rPr lang="en-US" err="1"/>
+              <a:rPr lang="en-US" dirty="0" err="1">
+                <a:latin typeface="VNI-Times" pitchFamily="2" charset="0"/>
+              </a:rPr>
               <a:t>muoân</a:t>
             </a:r>
             <a:r>
-              <a:rPr lang="en-US"/>
+              <a:rPr lang="en-US" dirty="0">
+                <a:latin typeface="VNI-Times" pitchFamily="2" charset="0"/>
+              </a:rPr>
               <a:t> </a:t>
             </a:r>
-            <a:r>
-              <a:rPr lang="en-US" smtClean="0"/>
-              <a:t/>
-            </a:r>
             <a:br>
-              <a:rPr lang="en-US" smtClean="0"/>
+              <a:rPr lang="en-US" dirty="0">
+                <a:latin typeface="VNI-Times" pitchFamily="2" charset="0"/>
+              </a:rPr>
             </a:br>
             <a:r>
-              <a:rPr lang="en-US" smtClean="0"/>
-              <a:t>ñôøi </a:t>
-            </a:r>
-            <a:r>
-              <a:rPr lang="en-US" dirty="0" err="1"/>
+              <a:rPr lang="en-US" dirty="0" err="1">
+                <a:latin typeface="VNI-Times" pitchFamily="2" charset="0"/>
+              </a:rPr>
+              <a:t>ñôøi</a:t>
+            </a:r>
+            <a:r>
+              <a:rPr lang="en-US" dirty="0">
+                <a:latin typeface="VNI-Times" pitchFamily="2" charset="0"/>
+              </a:rPr>
+              <a:t> </a:t>
+            </a:r>
+            <a:r>
+              <a:rPr lang="en-US" dirty="0" err="1">
+                <a:latin typeface="VNI-Times" pitchFamily="2" charset="0"/>
+              </a:rPr>
               <a:t>Chuùa</a:t>
             </a:r>
             <a:r>
-              <a:rPr lang="en-US" dirty="0"/>
+              <a:rPr lang="en-US" dirty="0">
+                <a:latin typeface="VNI-Times" pitchFamily="2" charset="0"/>
+              </a:rPr>
               <a:t> </a:t>
             </a:r>
             <a:r>
-              <a:rPr lang="en-US" err="1"/>
+              <a:rPr lang="en-US" dirty="0" err="1">
+                <a:latin typeface="VNI-Times" pitchFamily="2" charset="0"/>
+              </a:rPr>
               <a:t>luoân</a:t>
             </a:r>
             <a:r>
-              <a:rPr lang="en-US"/>
+              <a:rPr lang="en-US" dirty="0">
+                <a:latin typeface="VNI-Times" pitchFamily="2" charset="0"/>
+              </a:rPr>
               <a:t> </a:t>
             </a:r>
             <a:br>
-              <a:rPr lang="en-US"/>
+              <a:rPr lang="en-US" dirty="0">
+                <a:latin typeface="VNI-Times" pitchFamily="2" charset="0"/>
+              </a:rPr>
             </a:br>
             <a:r>
-              <a:rPr lang="en-US"/>
-              <a:t>tuyeät </a:t>
-            </a:r>
-            <a:r>
-              <a:rPr lang="en-US" dirty="0" err="1"/>
+              <a:rPr lang="en-US" dirty="0" err="1">
+                <a:latin typeface="VNI-Times" pitchFamily="2" charset="0"/>
+              </a:rPr>
+              <a:t>tuyeät</a:t>
+            </a:r>
+            <a:r>
+              <a:rPr lang="en-US" dirty="0">
+                <a:latin typeface="VNI-Times" pitchFamily="2" charset="0"/>
+              </a:rPr>
+              <a:t> </a:t>
+            </a:r>
+            <a:r>
+              <a:rPr lang="en-US" dirty="0" err="1">
+                <a:latin typeface="VNI-Times" pitchFamily="2" charset="0"/>
+              </a:rPr>
               <a:t>vôøi</a:t>
             </a:r>
             <a:r>
-              <a:rPr lang="en-US" dirty="0"/>
+              <a:rPr lang="en-US" dirty="0">
+                <a:latin typeface="VNI-Times" pitchFamily="2" charset="0"/>
+              </a:rPr>
               <a:t>. </a:t>
             </a:r>
           </a:p>
@@ -9991,7 +10174,7 @@
           <a:p>
             <a:pPr algn="ctr"/>
             <a:r>
-              <a:rPr lang="en-US" sz="4000" b="1" spc="-150">
+              <a:rPr lang="en-US" sz="4000" b="1" spc="-150" dirty="0">
                 <a:ln w="11430"/>
                 <a:solidFill>
                   <a:schemeClr val="bg1"/>
@@ -10006,27 +10189,10 @@
                     </a:srgbClr>
                   </a:outerShdw>
                 </a:effectLst>
-                <a:latin typeface="HP-Bank" panose="020B0603050302020204" pitchFamily="34" charset="0"/>
+                <a:latin typeface="VNI-Times" pitchFamily="2" charset="0"/>
               </a:rPr>
               <a:t>TÌNH YEÂU LÔÙN LAO</a:t>
             </a:r>
-            <a:endParaRPr lang="en-US" sz="4000" b="1" spc="-150">
-              <a:ln w="11430"/>
-              <a:solidFill>
-                <a:schemeClr val="bg1"/>
-              </a:solidFill>
-              <a:effectLst>
-                <a:glow rad="127000">
-                  <a:prstClr val="black"/>
-                </a:glow>
-                <a:outerShdw blurRad="50800" dist="39000" dir="5460000" algn="tl">
-                  <a:srgbClr val="000000">
-                    <a:alpha val="38000"/>
-                  </a:srgbClr>
-                </a:outerShdw>
-              </a:effectLst>
-              <a:latin typeface="HP-Bank" panose="020B0603050302020204" pitchFamily="34" charset="0"/>
-            </a:endParaRPr>
           </a:p>
         </p:txBody>
       </p:sp>
@@ -10035,13 +10201,6 @@
   <p:clrMapOvr>
     <a:masterClrMapping/>
   </p:clrMapOvr>
-  <p:timing>
-    <p:tnLst>
-      <p:par>
-        <p:cTn id="1" dur="indefinite" restart="never" nodeType="tmRoot"/>
-      </p:par>
-    </p:tnLst>
-  </p:timing>
 </p:sld>
 </file>
 
@@ -10101,76 +10260,99 @@
           </a:lstStyle>
           <a:p>
             <a:r>
-              <a:rPr lang="en-US" dirty="0" err="1"/>
+              <a:rPr lang="en-US" dirty="0" err="1">
+                <a:latin typeface="VNI-Times" pitchFamily="2" charset="0"/>
+              </a:rPr>
               <a:t>Lôùn</a:t>
             </a:r>
             <a:r>
-              <a:rPr lang="en-US" dirty="0"/>
+              <a:rPr lang="en-US" dirty="0">
+                <a:latin typeface="VNI-Times" pitchFamily="2" charset="0"/>
+              </a:rPr>
+              <a:t> lao </a:t>
+            </a:r>
+            <a:r>
+              <a:rPr lang="en-US" dirty="0" err="1">
+                <a:latin typeface="VNI-Times" pitchFamily="2" charset="0"/>
+              </a:rPr>
+              <a:t>voâ</a:t>
+            </a:r>
+            <a:r>
+              <a:rPr lang="en-US" dirty="0">
+                <a:latin typeface="VNI-Times" pitchFamily="2" charset="0"/>
+              </a:rPr>
               <a:t> </a:t>
             </a:r>
             <a:r>
-              <a:rPr lang="en-US" dirty="0" err="1"/>
-              <a:t>lao</a:t>
-            </a:r>
-            <a:r>
-              <a:rPr lang="en-US" dirty="0"/>
+              <a:rPr lang="en-US" dirty="0" err="1">
+                <a:latin typeface="VNI-Times" pitchFamily="2" charset="0"/>
+              </a:rPr>
+              <a:t>cuøng</a:t>
+            </a:r>
+            <a:r>
+              <a:rPr lang="en-US" dirty="0">
+                <a:latin typeface="VNI-Times" pitchFamily="2" charset="0"/>
+              </a:rPr>
+              <a:t>, </a:t>
+            </a:r>
+            <a:br>
+              <a:rPr lang="en-US" dirty="0">
+                <a:latin typeface="VNI-Times" pitchFamily="2" charset="0"/>
+              </a:rPr>
+            </a:br>
+            <a:r>
+              <a:rPr lang="en-US" dirty="0" err="1">
+                <a:latin typeface="VNI-Times" pitchFamily="2" charset="0"/>
+              </a:rPr>
+              <a:t>lôùn</a:t>
+            </a:r>
+            <a:r>
+              <a:rPr lang="en-US" dirty="0">
+                <a:latin typeface="VNI-Times" pitchFamily="2" charset="0"/>
+              </a:rPr>
+              <a:t> lao </a:t>
+            </a:r>
+            <a:r>
+              <a:rPr lang="en-US" dirty="0" err="1">
+                <a:latin typeface="VNI-Times" pitchFamily="2" charset="0"/>
+              </a:rPr>
+              <a:t>thay</a:t>
+            </a:r>
+            <a:r>
+              <a:rPr lang="en-US" dirty="0">
+                <a:latin typeface="VNI-Times" pitchFamily="2" charset="0"/>
+              </a:rPr>
               <a:t> </a:t>
             </a:r>
-            <a:r>
-              <a:rPr lang="en-US" dirty="0" err="1"/>
-              <a:t>voâ</a:t>
-            </a:r>
-            <a:r>
-              <a:rPr lang="en-US" dirty="0"/>
+            <a:br>
+              <a:rPr lang="en-US" dirty="0">
+                <a:latin typeface="VNI-Times" pitchFamily="2" charset="0"/>
+              </a:rPr>
+            </a:br>
+            <a:r>
+              <a:rPr lang="en-US" dirty="0" err="1">
+                <a:latin typeface="VNI-Times" pitchFamily="2" charset="0"/>
+              </a:rPr>
+              <a:t>ôn</a:t>
+            </a:r>
+            <a:r>
+              <a:rPr lang="en-US" dirty="0">
+                <a:latin typeface="VNI-Times" pitchFamily="2" charset="0"/>
+              </a:rPr>
               <a:t> </a:t>
             </a:r>
             <a:r>
-              <a:rPr lang="en-US" dirty="0" err="1"/>
-              <a:t>cuøng</a:t>
-            </a:r>
-            <a:r>
-              <a:rPr lang="en-US"/>
-              <a:t>, </a:t>
-            </a:r>
-            <a:r>
-              <a:rPr lang="en-US" smtClean="0"/>
-              <a:t/>
-            </a:r>
-            <a:br>
-              <a:rPr lang="en-US" smtClean="0"/>
-            </a:br>
-            <a:r>
-              <a:rPr lang="en-US" smtClean="0"/>
-              <a:t>lôùn </a:t>
-            </a:r>
-            <a:r>
-              <a:rPr lang="en-US" dirty="0" err="1"/>
-              <a:t>lao</a:t>
-            </a:r>
-            <a:r>
-              <a:rPr lang="en-US" dirty="0"/>
-              <a:t> </a:t>
-            </a:r>
-            <a:r>
-              <a:rPr lang="en-US" err="1"/>
-              <a:t>thay</a:t>
-            </a:r>
-            <a:r>
-              <a:rPr lang="en-US"/>
-              <a:t> </a:t>
-            </a:r>
-            <a:br>
-              <a:rPr lang="en-US"/>
-            </a:br>
-            <a:r>
-              <a:rPr lang="en-US"/>
-              <a:t>ôn </a:t>
-            </a:r>
-            <a:r>
-              <a:rPr lang="en-US" smtClean="0"/>
-              <a:t>Ngaøi.</a:t>
-            </a:r>
-            <a:endParaRPr lang="en-US" dirty="0"/>
+              <a:rPr lang="en-US" dirty="0" err="1">
+                <a:latin typeface="VNI-Times" pitchFamily="2" charset="0"/>
+              </a:rPr>
+              <a:t>Ngaøi</a:t>
+            </a:r>
+            <a:r>
+              <a:rPr lang="en-US" dirty="0">
+                <a:latin typeface="VNI-Times" pitchFamily="2" charset="0"/>
+              </a:rPr>
+              <a:t>.</a:t>
+            </a:r>
           </a:p>
         </p:txBody>
       </p:sp>
@@ -10198,7 +10380,7 @@
           <a:p>
             <a:pPr algn="ctr"/>
             <a:r>
-              <a:rPr lang="en-US" sz="4000" b="1" spc="-150">
+              <a:rPr lang="en-US" sz="4000" b="1" spc="-150" dirty="0">
                 <a:ln w="11430"/>
                 <a:solidFill>
                   <a:schemeClr val="bg1"/>
@@ -10213,27 +10395,10 @@
                     </a:srgbClr>
                   </a:outerShdw>
                 </a:effectLst>
-                <a:latin typeface="HP-Bank" panose="020B0603050302020204" pitchFamily="34" charset="0"/>
+                <a:latin typeface="VNI-Times" pitchFamily="2" charset="0"/>
               </a:rPr>
               <a:t>TÌNH YEÂU LÔÙN LAO</a:t>
             </a:r>
-            <a:endParaRPr lang="en-US" sz="4000" b="1" spc="-150">
-              <a:ln w="11430"/>
-              <a:solidFill>
-                <a:schemeClr val="bg1"/>
-              </a:solidFill>
-              <a:effectLst>
-                <a:glow rad="127000">
-                  <a:prstClr val="black"/>
-                </a:glow>
-                <a:outerShdw blurRad="50800" dist="39000" dir="5460000" algn="tl">
-                  <a:srgbClr val="000000">
-                    <a:alpha val="38000"/>
-                  </a:srgbClr>
-                </a:outerShdw>
-              </a:effectLst>
-              <a:latin typeface="HP-Bank" panose="020B0603050302020204" pitchFamily="34" charset="0"/>
-            </a:endParaRPr>
           </a:p>
         </p:txBody>
       </p:sp>
@@ -10242,13 +10407,6 @@
   <p:clrMapOvr>
     <a:masterClrMapping/>
   </p:clrMapOvr>
-  <p:timing>
-    <p:tnLst>
-      <p:par>
-        <p:cTn id="1" dur="indefinite" restart="never" nodeType="tmRoot"/>
-      </p:par>
-    </p:tnLst>
-  </p:timing>
 </p:sld>
 </file>
 
@@ -10308,68 +10466,117 @@
           </a:lstStyle>
           <a:p>
             <a:r>
-              <a:rPr lang="en-US"/>
-              <a:t> Ñeán </a:t>
-            </a:r>
-            <a:r>
-              <a:rPr lang="en-US" dirty="0" err="1"/>
+              <a:rPr lang="en-US" dirty="0">
+                <a:latin typeface="VNI-Times" pitchFamily="2" charset="0"/>
+              </a:rPr>
+              <a:t> </a:t>
+            </a:r>
+            <a:r>
+              <a:rPr lang="en-US" dirty="0" err="1">
+                <a:latin typeface="VNI-Times" pitchFamily="2" charset="0"/>
+              </a:rPr>
+              <a:t>Ñeán</a:t>
+            </a:r>
+            <a:r>
+              <a:rPr lang="en-US" dirty="0">
+                <a:latin typeface="VNI-Times" pitchFamily="2" charset="0"/>
+              </a:rPr>
+              <a:t> </a:t>
+            </a:r>
+            <a:r>
+              <a:rPr lang="en-US" dirty="0" err="1">
+                <a:latin typeface="VNI-Times" pitchFamily="2" charset="0"/>
+              </a:rPr>
               <a:t>muoân</a:t>
             </a:r>
             <a:r>
-              <a:rPr lang="en-US" dirty="0"/>
+              <a:rPr lang="en-US" dirty="0">
+                <a:latin typeface="VNI-Times" pitchFamily="2" charset="0"/>
+              </a:rPr>
               <a:t> </a:t>
             </a:r>
             <a:r>
-              <a:rPr lang="en-US" err="1"/>
+              <a:rPr lang="en-US" dirty="0" err="1">
+                <a:latin typeface="VNI-Times" pitchFamily="2" charset="0"/>
+              </a:rPr>
               <a:t>muoân</a:t>
             </a:r>
             <a:r>
-              <a:rPr lang="en-US"/>
+              <a:rPr lang="en-US" dirty="0">
+                <a:latin typeface="VNI-Times" pitchFamily="2" charset="0"/>
+              </a:rPr>
               <a:t> </a:t>
             </a:r>
-            <a:r>
-              <a:rPr lang="en-US" smtClean="0"/>
-              <a:t/>
-            </a:r>
             <a:br>
-              <a:rPr lang="en-US" smtClean="0"/>
+              <a:rPr lang="en-US" dirty="0">
+                <a:latin typeface="VNI-Times" pitchFamily="2" charset="0"/>
+              </a:rPr>
             </a:br>
             <a:r>
-              <a:rPr lang="en-US" smtClean="0"/>
-              <a:t>ñôøi </a:t>
-            </a:r>
-            <a:r>
-              <a:rPr lang="en-US" dirty="0" err="1"/>
+              <a:rPr lang="en-US" dirty="0" err="1">
+                <a:latin typeface="VNI-Times" pitchFamily="2" charset="0"/>
+              </a:rPr>
+              <a:t>ñôøi</a:t>
+            </a:r>
+            <a:r>
+              <a:rPr lang="en-US" dirty="0">
+                <a:latin typeface="VNI-Times" pitchFamily="2" charset="0"/>
+              </a:rPr>
+              <a:t> </a:t>
+            </a:r>
+            <a:r>
+              <a:rPr lang="en-US" dirty="0" err="1">
+                <a:latin typeface="VNI-Times" pitchFamily="2" charset="0"/>
+              </a:rPr>
               <a:t>Chuùa</a:t>
             </a:r>
             <a:r>
-              <a:rPr lang="en-US" dirty="0"/>
+              <a:rPr lang="en-US" dirty="0">
+                <a:latin typeface="VNI-Times" pitchFamily="2" charset="0"/>
+              </a:rPr>
               <a:t> </a:t>
             </a:r>
             <a:r>
-              <a:rPr lang="en-US" err="1"/>
+              <a:rPr lang="en-US" dirty="0" err="1">
+                <a:latin typeface="VNI-Times" pitchFamily="2" charset="0"/>
+              </a:rPr>
               <a:t>laø</a:t>
             </a:r>
             <a:r>
-              <a:rPr lang="en-US"/>
+              <a:rPr lang="en-US" dirty="0">
+                <a:latin typeface="VNI-Times" pitchFamily="2" charset="0"/>
+              </a:rPr>
               <a:t> </a:t>
             </a:r>
             <a:br>
-              <a:rPr lang="en-US"/>
+              <a:rPr lang="en-US" dirty="0">
+                <a:latin typeface="VNI-Times" pitchFamily="2" charset="0"/>
+              </a:rPr>
             </a:br>
             <a:r>
-              <a:rPr lang="en-US"/>
-              <a:t>yeâu </a:t>
-            </a:r>
-            <a:r>
-              <a:rPr lang="en-US" err="1"/>
+              <a:rPr lang="en-US" dirty="0" err="1">
+                <a:latin typeface="VNI-Times" pitchFamily="2" charset="0"/>
+              </a:rPr>
+              <a:t>yeâu</a:t>
+            </a:r>
+            <a:r>
+              <a:rPr lang="en-US" dirty="0">
+                <a:latin typeface="VNI-Times" pitchFamily="2" charset="0"/>
+              </a:rPr>
+              <a:t> </a:t>
+            </a:r>
+            <a:r>
+              <a:rPr lang="en-US" dirty="0" err="1">
+                <a:latin typeface="VNI-Times" pitchFamily="2" charset="0"/>
+              </a:rPr>
               <a:t>thöông</a:t>
             </a:r>
             <a:r>
-              <a:rPr lang="en-US"/>
+              <a:rPr lang="en-US" dirty="0">
+                <a:latin typeface="VNI-Times" pitchFamily="2" charset="0"/>
+              </a:rPr>
               <a:t>.</a:t>
             </a:r>
-            <a:endParaRPr lang="en-US" dirty="0"/>
           </a:p>
         </p:txBody>
       </p:sp>
@@ -10397,7 +10604,7 @@
           <a:p>
             <a:pPr algn="ctr"/>
             <a:r>
-              <a:rPr lang="en-US" sz="4000" b="1" spc="-150">
+              <a:rPr lang="en-US" sz="4000" b="1" spc="-150" dirty="0">
                 <a:ln w="11430"/>
                 <a:solidFill>
                   <a:schemeClr val="bg1"/>
@@ -10412,27 +10619,10 @@
                     </a:srgbClr>
                   </a:outerShdw>
                 </a:effectLst>
-                <a:latin typeface="HP-Bank" panose="020B0603050302020204" pitchFamily="34" charset="0"/>
+                <a:latin typeface="VNI-Times" pitchFamily="2" charset="0"/>
               </a:rPr>
               <a:t>TÌNH YEÂU LÔÙN LAO</a:t>
             </a:r>
-            <a:endParaRPr lang="en-US" sz="4000" b="1" spc="-150">
-              <a:ln w="11430"/>
-              <a:solidFill>
-                <a:schemeClr val="bg1"/>
-              </a:solidFill>
-              <a:effectLst>
-                <a:glow rad="127000">
-                  <a:prstClr val="black"/>
-                </a:glow>
-                <a:outerShdw blurRad="50800" dist="39000" dir="5460000" algn="tl">
-                  <a:srgbClr val="000000">
-                    <a:alpha val="38000"/>
-                  </a:srgbClr>
-                </a:outerShdw>
-              </a:effectLst>
-              <a:latin typeface="HP-Bank" panose="020B0603050302020204" pitchFamily="34" charset="0"/>
-            </a:endParaRPr>
           </a:p>
         </p:txBody>
       </p:sp>
@@ -10441,13 +10631,6 @@
   <p:clrMapOvr>
     <a:masterClrMapping/>
   </p:clrMapOvr>
-  <p:timing>
-    <p:tnLst>
-      <p:par>
-        <p:cTn id="1" dur="indefinite" restart="never" nodeType="tmRoot"/>
-      </p:par>
-    </p:tnLst>
-  </p:timing>
 </p:sld>
 </file>
 
@@ -10507,68 +10690,93 @@
           </a:lstStyle>
           <a:p>
             <a:r>
-              <a:rPr lang="en-US" sz="4400"/>
+              <a:rPr lang="en-US" sz="4400" dirty="0">
+                <a:latin typeface="VNI-Times" pitchFamily="2" charset="0"/>
+              </a:rPr>
               <a:t>2. </a:t>
             </a:r>
             <a:r>
-              <a:rPr lang="en-US"/>
-              <a:t>Tình </a:t>
-            </a:r>
-            <a:r>
-              <a:rPr lang="en-US" dirty="0" err="1"/>
+              <a:rPr lang="en-US" dirty="0" err="1">
+                <a:latin typeface="VNI-Times" pitchFamily="2" charset="0"/>
+              </a:rPr>
+              <a:t>Tình</a:t>
+            </a:r>
+            <a:r>
+              <a:rPr lang="en-US" dirty="0">
+                <a:latin typeface="VNI-Times" pitchFamily="2" charset="0"/>
+              </a:rPr>
+              <a:t> </a:t>
+            </a:r>
+            <a:r>
+              <a:rPr lang="en-US" dirty="0" err="1">
+                <a:latin typeface="VNI-Times" pitchFamily="2" charset="0"/>
+              </a:rPr>
               <a:t>yeâu</a:t>
             </a:r>
             <a:r>
-              <a:rPr lang="en-US" dirty="0"/>
+              <a:rPr lang="en-US" dirty="0">
+                <a:latin typeface="VNI-Times" pitchFamily="2" charset="0"/>
+              </a:rPr>
               <a:t> </a:t>
             </a:r>
             <a:r>
-              <a:rPr lang="en-US" err="1"/>
+              <a:rPr lang="en-US" dirty="0" err="1">
+                <a:latin typeface="VNI-Times" pitchFamily="2" charset="0"/>
+              </a:rPr>
               <a:t>Ngaøi</a:t>
             </a:r>
             <a:r>
-              <a:rPr lang="en-US"/>
+              <a:rPr lang="en-US" dirty="0">
+                <a:latin typeface="VNI-Times" pitchFamily="2" charset="0"/>
+              </a:rPr>
               <a:t> </a:t>
             </a:r>
-            <a:r>
-              <a:rPr lang="en-US" smtClean="0"/>
-              <a:t/>
-            </a:r>
             <a:br>
-              <a:rPr lang="en-US" smtClean="0"/>
+              <a:rPr lang="en-US" dirty="0">
+                <a:latin typeface="VNI-Times" pitchFamily="2" charset="0"/>
+              </a:rPr>
             </a:br>
             <a:r>
-              <a:rPr lang="en-US" smtClean="0"/>
-              <a:t>luoân </a:t>
-            </a:r>
-            <a:r>
-              <a:rPr lang="en-US" dirty="0" err="1"/>
-              <a:t>bao</a:t>
-            </a:r>
-            <a:r>
-              <a:rPr lang="en-US" dirty="0"/>
+              <a:rPr lang="en-US" dirty="0" err="1">
+                <a:latin typeface="VNI-Times" pitchFamily="2" charset="0"/>
+              </a:rPr>
+              <a:t>luoân</a:t>
+            </a:r>
+            <a:r>
+              <a:rPr lang="en-US" dirty="0">
+                <a:latin typeface="VNI-Times" pitchFamily="2" charset="0"/>
+              </a:rPr>
+              <a:t> bao </a:t>
+            </a:r>
+            <a:r>
+              <a:rPr lang="en-US" dirty="0" err="1">
+                <a:latin typeface="VNI-Times" pitchFamily="2" charset="0"/>
+              </a:rPr>
+              <a:t>phuû</a:t>
+            </a:r>
+            <a:r>
+              <a:rPr lang="en-US" dirty="0">
+                <a:latin typeface="VNI-Times" pitchFamily="2" charset="0"/>
+              </a:rPr>
               <a:t> </a:t>
             </a:r>
-            <a:r>
-              <a:rPr lang="en-US" err="1"/>
-              <a:t>phuû</a:t>
-            </a:r>
-            <a:r>
-              <a:rPr lang="en-US"/>
-              <a:t> </a:t>
-            </a:r>
             <a:br>
-              <a:rPr lang="en-US"/>
+              <a:rPr lang="en-US" dirty="0">
+                <a:latin typeface="VNI-Times" pitchFamily="2" charset="0"/>
+              </a:rPr>
             </a:br>
             <a:r>
-              <a:rPr lang="en-US"/>
-              <a:t>ñôøi </a:t>
-            </a:r>
-            <a:r>
-              <a:rPr lang="en-US" smtClean="0"/>
-              <a:t>con.</a:t>
-            </a:r>
-            <a:endParaRPr lang="en-US" dirty="0"/>
+              <a:rPr lang="en-US" dirty="0" err="1">
+                <a:latin typeface="VNI-Times" pitchFamily="2" charset="0"/>
+              </a:rPr>
+              <a:t>ñôøi</a:t>
+            </a:r>
+            <a:r>
+              <a:rPr lang="en-US" dirty="0">
+                <a:latin typeface="VNI-Times" pitchFamily="2" charset="0"/>
+              </a:rPr>
+              <a:t> con.</a:t>
+            </a:r>
           </a:p>
         </p:txBody>
       </p:sp>
@@ -10596,7 +10804,7 @@
           <a:p>
             <a:pPr algn="ctr"/>
             <a:r>
-              <a:rPr lang="en-US" sz="4000" b="1" spc="-150">
+              <a:rPr lang="en-US" sz="4000" b="1" spc="-150" dirty="0">
                 <a:ln w="11430"/>
                 <a:solidFill>
                   <a:schemeClr val="bg1"/>
@@ -10611,27 +10819,10 @@
                     </a:srgbClr>
                   </a:outerShdw>
                 </a:effectLst>
-                <a:latin typeface="HP-Bank" panose="020B0603050302020204" pitchFamily="34" charset="0"/>
+                <a:latin typeface="VNI-Times" pitchFamily="2" charset="0"/>
               </a:rPr>
               <a:t>TÌNH YEÂU LÔÙN LAO</a:t>
             </a:r>
-            <a:endParaRPr lang="en-US" sz="4000" b="1" spc="-150">
-              <a:ln w="11430"/>
-              <a:solidFill>
-                <a:schemeClr val="bg1"/>
-              </a:solidFill>
-              <a:effectLst>
-                <a:glow rad="127000">
-                  <a:prstClr val="black"/>
-                </a:glow>
-                <a:outerShdw blurRad="50800" dist="39000" dir="5460000" algn="tl">
-                  <a:srgbClr val="000000">
-                    <a:alpha val="38000"/>
-                  </a:srgbClr>
-                </a:outerShdw>
-              </a:effectLst>
-              <a:latin typeface="HP-Bank" panose="020B0603050302020204" pitchFamily="34" charset="0"/>
-            </a:endParaRPr>
           </a:p>
         </p:txBody>
       </p:sp>
@@ -10640,13 +10831,6 @@
   <p:clrMapOvr>
     <a:masterClrMapping/>
   </p:clrMapOvr>
-  <p:timing>
-    <p:tnLst>
-      <p:par>
-        <p:cTn id="1" dur="indefinite" restart="never" nodeType="tmRoot"/>
-      </p:par>
-    </p:tnLst>
-  </p:timing>
 </p:sld>
 </file>
 
